--- a/Intro to F# and ASP.NET MVC.pptx
+++ b/Intro to F# and ASP.NET MVC.pptx
@@ -114,7 +114,7 @@
   </p:defaultTextStyle>
   <p:extLst>
     <p:ext uri="{EFAFB233-063F-42B5-8137-9DF3F51BA10A}">
-      <p15:sldGuideLst xmlns="" xmlns:p15="http://schemas.microsoft.com/office/powerpoint/2012/main">
+      <p15:sldGuideLst xmlns:p15="http://schemas.microsoft.com/office/powerpoint/2012/main" xmlns="">
         <p15:guide id="1" orient="horz" pos="2160">
           <p15:clr>
             <a:srgbClr val="A4A3A4"/>
@@ -7535,7 +7535,7 @@
         </p:spPr>
         <p:txBody>
           <a:bodyPr>
-            <a:normAutofit/>
+            <a:normAutofit fontScale="92500" lnSpcReduction="10000"/>
           </a:bodyPr>
           <a:lstStyle/>
           <a:p>
@@ -7579,8 +7579,19 @@
           <a:p>
             <a:r>
               <a:rPr lang="en-US" sz="2800" dirty="0" smtClean="0"/>
-              <a:t>Pattern Matching</a:t>
-            </a:r>
+              <a:t>Pattern </a:t>
+            </a:r>
+            <a:r>
+              <a:rPr lang="en-US" sz="2800" dirty="0" smtClean="0"/>
+              <a:t>Matching</a:t>
+            </a:r>
+          </a:p>
+          <a:p>
+            <a:r>
+              <a:rPr lang="en-US" sz="2800" dirty="0" smtClean="0"/>
+              <a:t>Units of Measure</a:t>
+            </a:r>
+            <a:endParaRPr lang="en-US" sz="2800" dirty="0" smtClean="0"/>
           </a:p>
           <a:p>
             <a:r>
@@ -8326,11 +8337,7 @@
           <a:p>
             <a:r>
               <a:rPr lang="en-US" sz="2800" dirty="0" smtClean="0"/>
-              <a:t>Your </a:t>
-            </a:r>
-            <a:r>
-              <a:rPr lang="en-US" sz="2800" dirty="0" smtClean="0"/>
-              <a:t>Turn</a:t>
+              <a:t>Your Turn</a:t>
             </a:r>
             <a:endParaRPr lang="en-US" sz="2800" b="1" dirty="0" smtClean="0"/>
           </a:p>
@@ -8659,7 +8666,7 @@
   <a:extraClrSchemeLst/>
   <a:extLst>
     <a:ext uri="{05A4C25C-085E-4340-85A3-A5531E510DB2}">
-      <thm15:themeFamily xmlns="" xmlns:thm15="http://schemas.microsoft.com/office/thememl/2012/main" name="Ion" id="{B8441ADB-2E43-4AF7-B97A-BD870242C6A8}" vid="{BACC050B-8757-4460-95D8-E37B46A6B421}"/>
+      <thm15:themeFamily xmlns:thm15="http://schemas.microsoft.com/office/thememl/2012/main" xmlns="" name="Ion" id="{B8441ADB-2E43-4AF7-B97A-BD870242C6A8}" vid="{BACC050B-8757-4460-95D8-E37B46A6B421}"/>
     </a:ext>
   </a:extLst>
 </a:theme>

--- a/Intro to F# and ASP.NET MVC.pptx
+++ b/Intro to F# and ASP.NET MVC.pptx
@@ -11,9 +11,13 @@
     <p:sldId id="259" r:id="rId5"/>
     <p:sldId id="263" r:id="rId6"/>
     <p:sldId id="260" r:id="rId7"/>
-    <p:sldId id="264" r:id="rId8"/>
-    <p:sldId id="262" r:id="rId9"/>
-    <p:sldId id="266" r:id="rId10"/>
+    <p:sldId id="267" r:id="rId8"/>
+    <p:sldId id="268" r:id="rId9"/>
+    <p:sldId id="269" r:id="rId10"/>
+    <p:sldId id="270" r:id="rId11"/>
+    <p:sldId id="264" r:id="rId12"/>
+    <p:sldId id="262" r:id="rId13"/>
+    <p:sldId id="266" r:id="rId14"/>
   </p:sldIdLst>
   <p:sldSz cx="12192000" cy="6858000"/>
   <p:notesSz cx="6858000" cy="9144000"/>
@@ -314,7 +318,7 @@
           <a:p>
             <a:fld id="{4AAD347D-5ACD-4C99-B74B-A9C85AD731AF}" type="datetime1">
               <a:rPr lang="en-US" smtClean="0"/>
-              <a:t>7/6/2013</a:t>
+              <a:t>7/8/2013</a:t>
             </a:fld>
             <a:endParaRPr lang="en-US"/>
           </a:p>
@@ -584,7 +588,7 @@
           <a:p>
             <a:fld id="{4509A250-FF31-4206-8172-F9D3106AACB1}" type="datetime1">
               <a:rPr lang="en-US" smtClean="0"/>
-              <a:t>7/6/2013</a:t>
+              <a:t>7/8/2013</a:t>
             </a:fld>
             <a:endParaRPr lang="en-US" dirty="0"/>
           </a:p>
@@ -706,7 +710,7 @@
           <a:p>
             <a:fld id="{4509A250-FF31-4206-8172-F9D3106AACB1}" type="datetime1">
               <a:rPr lang="en-US" smtClean="0"/>
-              <a:t>7/6/2013</a:t>
+              <a:t>7/8/2013</a:t>
             </a:fld>
             <a:endParaRPr lang="en-US" dirty="0"/>
           </a:p>
@@ -895,7 +899,7 @@
           <a:p>
             <a:fld id="{4509A250-FF31-4206-8172-F9D3106AACB1}" type="datetime1">
               <a:rPr lang="en-US" smtClean="0"/>
-              <a:t>7/6/2013</a:t>
+              <a:t>7/8/2013</a:t>
             </a:fld>
             <a:endParaRPr lang="en-US" dirty="0"/>
           </a:p>
@@ -1365,7 +1369,7 @@
           <a:p>
             <a:fld id="{4509A250-FF31-4206-8172-F9D3106AACB1}" type="datetime1">
               <a:rPr lang="en-US" smtClean="0"/>
-              <a:t>7/6/2013</a:t>
+              <a:t>7/8/2013</a:t>
             </a:fld>
             <a:endParaRPr lang="en-US" dirty="0"/>
           </a:p>
@@ -1487,7 +1491,7 @@
           <a:p>
             <a:fld id="{4509A250-FF31-4206-8172-F9D3106AACB1}" type="datetime1">
               <a:rPr lang="en-US" smtClean="0"/>
-              <a:t>7/6/2013</a:t>
+              <a:t>7/8/2013</a:t>
             </a:fld>
             <a:endParaRPr lang="en-US" dirty="0"/>
           </a:p>
@@ -1773,7 +1777,7 @@
           <a:p>
             <a:fld id="{4509A250-FF31-4206-8172-F9D3106AACB1}" type="datetime1">
               <a:rPr lang="en-US" smtClean="0"/>
-              <a:t>7/6/2013</a:t>
+              <a:t>7/8/2013</a:t>
             </a:fld>
             <a:endParaRPr lang="en-US" dirty="0"/>
           </a:p>
@@ -2519,7 +2523,7 @@
           <a:p>
             <a:fld id="{4509A250-FF31-4206-8172-F9D3106AACB1}" type="datetime1">
               <a:rPr lang="en-US" smtClean="0"/>
-              <a:t>7/6/2013</a:t>
+              <a:t>7/8/2013</a:t>
             </a:fld>
             <a:endParaRPr lang="en-US" dirty="0"/>
           </a:p>
@@ -3361,7 +3365,7 @@
           <a:p>
             <a:fld id="{4509A250-FF31-4206-8172-F9D3106AACB1}" type="datetime1">
               <a:rPr lang="en-US" smtClean="0"/>
-              <a:t>7/6/2013</a:t>
+              <a:t>7/8/2013</a:t>
             </a:fld>
             <a:endParaRPr lang="en-US" dirty="0"/>
           </a:p>
@@ -3526,7 +3530,7 @@
           <a:p>
             <a:fld id="{4509A250-FF31-4206-8172-F9D3106AACB1}" type="datetime1">
               <a:rPr lang="en-US" smtClean="0"/>
-              <a:t>7/6/2013</a:t>
+              <a:t>7/8/2013</a:t>
             </a:fld>
             <a:endParaRPr lang="en-US" dirty="0"/>
           </a:p>
@@ -3701,7 +3705,7 @@
           <a:p>
             <a:fld id="{4509A250-FF31-4206-8172-F9D3106AACB1}" type="datetime1">
               <a:rPr lang="en-US" smtClean="0"/>
-              <a:t>7/6/2013</a:t>
+              <a:t>7/8/2013</a:t>
             </a:fld>
             <a:endParaRPr lang="en-US" dirty="0"/>
           </a:p>
@@ -3866,7 +3870,7 @@
           <a:p>
             <a:fld id="{4509A250-FF31-4206-8172-F9D3106AACB1}" type="datetime1">
               <a:rPr lang="en-US" smtClean="0"/>
-              <a:t>7/6/2013</a:t>
+              <a:t>7/8/2013</a:t>
             </a:fld>
             <a:endParaRPr lang="en-US" dirty="0"/>
           </a:p>
@@ -4105,7 +4109,7 @@
           <a:p>
             <a:fld id="{4509A250-FF31-4206-8172-F9D3106AACB1}" type="datetime1">
               <a:rPr lang="en-US" smtClean="0"/>
-              <a:t>7/6/2013</a:t>
+              <a:t>7/8/2013</a:t>
             </a:fld>
             <a:endParaRPr lang="en-US" dirty="0"/>
           </a:p>
@@ -4392,7 +4396,7 @@
           <a:p>
             <a:fld id="{4509A250-FF31-4206-8172-F9D3106AACB1}" type="datetime1">
               <a:rPr lang="en-US" smtClean="0"/>
-              <a:t>7/6/2013</a:t>
+              <a:t>7/8/2013</a:t>
             </a:fld>
             <a:endParaRPr lang="en-US" dirty="0"/>
           </a:p>
@@ -4825,7 +4829,7 @@
           <a:p>
             <a:fld id="{4509A250-FF31-4206-8172-F9D3106AACB1}" type="datetime1">
               <a:rPr lang="en-US" smtClean="0"/>
-              <a:t>7/6/2013</a:t>
+              <a:t>7/8/2013</a:t>
             </a:fld>
             <a:endParaRPr lang="en-US" dirty="0"/>
           </a:p>
@@ -4938,7 +4942,7 @@
           <a:p>
             <a:fld id="{4509A250-FF31-4206-8172-F9D3106AACB1}" type="datetime1">
               <a:rPr lang="en-US" smtClean="0"/>
-              <a:t>7/6/2013</a:t>
+              <a:t>7/8/2013</a:t>
             </a:fld>
             <a:endParaRPr lang="en-US" dirty="0"/>
           </a:p>
@@ -5028,7 +5032,7 @@
           <a:p>
             <a:fld id="{4509A250-FF31-4206-8172-F9D3106AACB1}" type="datetime1">
               <a:rPr lang="en-US" smtClean="0"/>
-              <a:t>7/6/2013</a:t>
+              <a:t>7/8/2013</a:t>
             </a:fld>
             <a:endParaRPr lang="en-US" dirty="0"/>
           </a:p>
@@ -5302,7 +5306,7 @@
           <a:p>
             <a:fld id="{4509A250-FF31-4206-8172-F9D3106AACB1}" type="datetime1">
               <a:rPr lang="en-US" smtClean="0"/>
-              <a:t>7/6/2013</a:t>
+              <a:t>7/8/2013</a:t>
             </a:fld>
             <a:endParaRPr lang="en-US" dirty="0"/>
           </a:p>
@@ -5572,7 +5576,7 @@
           <a:p>
             <a:fld id="{4509A250-FF31-4206-8172-F9D3106AACB1}" type="datetime1">
               <a:rPr lang="en-US" smtClean="0"/>
-              <a:t>7/6/2013</a:t>
+              <a:t>7/8/2013</a:t>
             </a:fld>
             <a:endParaRPr lang="en-US" dirty="0"/>
           </a:p>
@@ -6180,7 +6184,7 @@
           <a:p>
             <a:fld id="{4509A250-FF31-4206-8172-F9D3106AACB1}" type="datetime1">
               <a:rPr lang="en-US" smtClean="0"/>
-              <a:t>7/6/2013</a:t>
+              <a:t>7/8/2013</a:t>
             </a:fld>
             <a:endParaRPr lang="en-US" dirty="0"/>
           </a:p>
@@ -6861,6 +6865,482 @@
 </p:sld>
 </file>
 
+<file path=ppt/slides/slide10.xml><?xml version="1.0" encoding="utf-8"?>
+<p:sld xmlns:a="http://schemas.openxmlformats.org/drawingml/2006/main" xmlns:r="http://schemas.openxmlformats.org/officeDocument/2006/relationships" xmlns:p="http://schemas.openxmlformats.org/presentationml/2006/main">
+  <p:cSld>
+    <p:spTree>
+      <p:nvGrpSpPr>
+        <p:cNvPr id="1" name=""/>
+        <p:cNvGrpSpPr/>
+        <p:nvPr/>
+      </p:nvGrpSpPr>
+      <p:grpSpPr>
+        <a:xfrm>
+          <a:off x="0" y="0"/>
+          <a:ext cx="0" cy="0"/>
+          <a:chOff x="0" y="0"/>
+          <a:chExt cx="0" cy="0"/>
+        </a:xfrm>
+      </p:grpSpPr>
+      <p:sp>
+        <p:nvSpPr>
+          <p:cNvPr id="2" name="Title 1"/>
+          <p:cNvSpPr>
+            <a:spLocks noGrp="1"/>
+          </p:cNvSpPr>
+          <p:nvPr>
+            <p:ph type="title"/>
+          </p:nvPr>
+        </p:nvSpPr>
+        <p:spPr/>
+        <p:txBody>
+          <a:bodyPr/>
+          <a:lstStyle/>
+          <a:p>
+            <a:r>
+              <a:rPr lang="en-US" dirty="0" err="1" smtClean="0"/>
+              <a:t>Guitar.fs</a:t>
+            </a:r>
+            <a:endParaRPr lang="en-US" dirty="0"/>
+          </a:p>
+        </p:txBody>
+      </p:sp>
+      <p:pic>
+        <p:nvPicPr>
+          <p:cNvPr id="4098" name="Picture 2"/>
+          <p:cNvPicPr>
+            <a:picLocks noChangeAspect="1" noChangeArrowheads="1"/>
+          </p:cNvPicPr>
+          <p:nvPr/>
+        </p:nvPicPr>
+        <p:blipFill>
+          <a:blip r:embed="rId2">
+            <a:extLst>
+              <a:ext uri="{28A0092B-C50C-407E-A947-70E740481C1C}">
+                <a14:useLocalDpi xmlns:a14="http://schemas.microsoft.com/office/drawing/2010/main" val="0"/>
+              </a:ext>
+            </a:extLst>
+          </a:blip>
+          <a:srcRect/>
+          <a:stretch>
+            <a:fillRect/>
+          </a:stretch>
+        </p:blipFill>
+        <p:spPr bwMode="auto">
+          <a:xfrm>
+            <a:off x="2856504" y="2498504"/>
+            <a:ext cx="6085404" cy="1717251"/>
+          </a:xfrm>
+          <a:prstGeom prst="rect">
+            <a:avLst/>
+          </a:prstGeom>
+          <a:noFill/>
+          <a:ln>
+            <a:noFill/>
+          </a:ln>
+          <a:effectLst/>
+          <a:extLst>
+            <a:ext uri="{909E8E84-426E-40DD-AFC4-6F175D3DCCD1}">
+              <a14:hiddenFill xmlns:a14="http://schemas.microsoft.com/office/drawing/2010/main">
+                <a:solidFill>
+                  <a:schemeClr val="accent1"/>
+                </a:solidFill>
+              </a14:hiddenFill>
+            </a:ext>
+            <a:ext uri="{91240B29-F687-4F45-9708-019B960494DF}">
+              <a14:hiddenLine xmlns:a14="http://schemas.microsoft.com/office/drawing/2010/main" w="9525">
+                <a:solidFill>
+                  <a:schemeClr val="tx1"/>
+                </a:solidFill>
+                <a:miter lim="800000"/>
+                <a:headEnd/>
+                <a:tailEnd/>
+              </a14:hiddenLine>
+            </a:ext>
+            <a:ext uri="{AF507438-7753-43E0-B8FC-AC1667EBCBE1}">
+              <a14:hiddenEffects xmlns:a14="http://schemas.microsoft.com/office/drawing/2010/main">
+                <a:effectLst>
+                  <a:outerShdw dist="35921" dir="2700000" algn="ctr" rotWithShape="0">
+                    <a:schemeClr val="bg2"/>
+                  </a:outerShdw>
+                </a:effectLst>
+              </a14:hiddenEffects>
+            </a:ext>
+          </a:extLst>
+        </p:spPr>
+      </p:pic>
+    </p:spTree>
+    <p:extLst>
+      <p:ext uri="{BB962C8B-B14F-4D97-AF65-F5344CB8AC3E}">
+        <p14:creationId xmlns:p14="http://schemas.microsoft.com/office/powerpoint/2010/main" val="3815723180"/>
+      </p:ext>
+    </p:extLst>
+  </p:cSld>
+  <p:clrMapOvr>
+    <a:masterClrMapping/>
+  </p:clrMapOvr>
+  <p:timing>
+    <p:tnLst>
+      <p:par>
+        <p:cTn id="1" dur="indefinite" restart="never" nodeType="tmRoot"/>
+      </p:par>
+    </p:tnLst>
+  </p:timing>
+</p:sld>
+</file>
+
+<file path=ppt/slides/slide11.xml><?xml version="1.0" encoding="utf-8"?>
+<p:sld xmlns:a="http://schemas.openxmlformats.org/drawingml/2006/main" xmlns:r="http://schemas.openxmlformats.org/officeDocument/2006/relationships" xmlns:p="http://schemas.openxmlformats.org/presentationml/2006/main">
+  <p:cSld>
+    <p:spTree>
+      <p:nvGrpSpPr>
+        <p:cNvPr id="1" name=""/>
+        <p:cNvGrpSpPr/>
+        <p:nvPr/>
+      </p:nvGrpSpPr>
+      <p:grpSpPr>
+        <a:xfrm>
+          <a:off x="0" y="0"/>
+          <a:ext cx="0" cy="0"/>
+          <a:chOff x="0" y="0"/>
+          <a:chExt cx="0" cy="0"/>
+        </a:xfrm>
+      </p:grpSpPr>
+      <p:sp>
+        <p:nvSpPr>
+          <p:cNvPr id="2" name="Title 1"/>
+          <p:cNvSpPr>
+            <a:spLocks noGrp="1"/>
+          </p:cNvSpPr>
+          <p:nvPr>
+            <p:ph type="title"/>
+          </p:nvPr>
+        </p:nvSpPr>
+        <p:spPr/>
+        <p:txBody>
+          <a:bodyPr/>
+          <a:lstStyle/>
+          <a:p>
+            <a:r>
+              <a:rPr lang="en-US" dirty="0" smtClean="0"/>
+              <a:t>Building an ASP.NET MVC 4 Solution</a:t>
+            </a:r>
+            <a:endParaRPr lang="en-US" dirty="0"/>
+          </a:p>
+        </p:txBody>
+      </p:sp>
+      <p:sp>
+        <p:nvSpPr>
+          <p:cNvPr id="3" name="Content Placeholder 2"/>
+          <p:cNvSpPr>
+            <a:spLocks noGrp="1"/>
+          </p:cNvSpPr>
+          <p:nvPr>
+            <p:ph idx="1"/>
+          </p:nvPr>
+        </p:nvSpPr>
+        <p:spPr/>
+        <p:txBody>
+          <a:bodyPr>
+            <a:normAutofit/>
+          </a:bodyPr>
+          <a:lstStyle/>
+          <a:p>
+            <a:r>
+              <a:rPr lang="en-US" sz="2800" dirty="0" smtClean="0"/>
+              <a:t>Looking at a C# example</a:t>
+            </a:r>
+          </a:p>
+          <a:p>
+            <a:r>
+              <a:rPr lang="en-US" sz="2800" b="1" dirty="0" smtClean="0"/>
+              <a:t>Create an F# equivalent solution</a:t>
+            </a:r>
+          </a:p>
+          <a:p>
+            <a:endParaRPr lang="en-US" sz="2800" dirty="0"/>
+          </a:p>
+        </p:txBody>
+      </p:sp>
+      <p:pic>
+        <p:nvPicPr>
+          <p:cNvPr id="5" name="Picture 2" descr="https://encrypted-tbn3.gstatic.com/images?q=tbn:ANd9GcROKnjgwUIf1jBmtc5oFmGfVQutq4GYYFi-_HPBoRzbZmoWtQSq"/>
+          <p:cNvPicPr>
+            <a:picLocks noChangeAspect="1" noChangeArrowheads="1"/>
+          </p:cNvPicPr>
+          <p:nvPr/>
+        </p:nvPicPr>
+        <p:blipFill>
+          <a:blip r:embed="rId2">
+            <a:extLst>
+              <a:ext uri="{28A0092B-C50C-407E-A947-70E740481C1C}">
+                <a14:useLocalDpi xmlns:a14="http://schemas.microsoft.com/office/drawing/2010/main" val="0"/>
+              </a:ext>
+            </a:extLst>
+          </a:blip>
+          <a:srcRect/>
+          <a:stretch>
+            <a:fillRect/>
+          </a:stretch>
+        </p:blipFill>
+        <p:spPr bwMode="auto">
+          <a:xfrm>
+            <a:off x="6864450" y="3191300"/>
+            <a:ext cx="4855334" cy="3481185"/>
+          </a:xfrm>
+          <a:prstGeom prst="rect">
+            <a:avLst/>
+          </a:prstGeom>
+          <a:noFill/>
+          <a:extLst>
+            <a:ext uri="{909E8E84-426E-40DD-AFC4-6F175D3DCCD1}">
+              <a14:hiddenFill xmlns:a14="http://schemas.microsoft.com/office/drawing/2010/main">
+                <a:solidFill>
+                  <a:srgbClr val="FFFFFF"/>
+                </a:solidFill>
+              </a14:hiddenFill>
+            </a:ext>
+          </a:extLst>
+        </p:spPr>
+      </p:pic>
+    </p:spTree>
+    <p:extLst>
+      <p:ext uri="{BB962C8B-B14F-4D97-AF65-F5344CB8AC3E}">
+        <p14:creationId xmlns:p14="http://schemas.microsoft.com/office/powerpoint/2010/main" val="838713968"/>
+      </p:ext>
+    </p:extLst>
+  </p:cSld>
+  <p:clrMapOvr>
+    <a:masterClrMapping/>
+  </p:clrMapOvr>
+  <p:timing>
+    <p:tnLst>
+      <p:par>
+        <p:cTn id="1" dur="indefinite" restart="never" nodeType="tmRoot"/>
+      </p:par>
+    </p:tnLst>
+  </p:timing>
+</p:sld>
+</file>
+
+<file path=ppt/slides/slide12.xml><?xml version="1.0" encoding="utf-8"?>
+<p:sld xmlns:a="http://schemas.openxmlformats.org/drawingml/2006/main" xmlns:r="http://schemas.openxmlformats.org/officeDocument/2006/relationships" xmlns:p="http://schemas.openxmlformats.org/presentationml/2006/main">
+  <p:cSld>
+    <p:spTree>
+      <p:nvGrpSpPr>
+        <p:cNvPr id="1" name=""/>
+        <p:cNvGrpSpPr/>
+        <p:nvPr/>
+      </p:nvGrpSpPr>
+      <p:grpSpPr>
+        <a:xfrm>
+          <a:off x="0" y="0"/>
+          <a:ext cx="0" cy="0"/>
+          <a:chOff x="0" y="0"/>
+          <a:chExt cx="0" cy="0"/>
+        </a:xfrm>
+      </p:grpSpPr>
+      <p:sp>
+        <p:nvSpPr>
+          <p:cNvPr id="2" name="Title 1"/>
+          <p:cNvSpPr>
+            <a:spLocks noGrp="1"/>
+          </p:cNvSpPr>
+          <p:nvPr>
+            <p:ph type="title"/>
+          </p:nvPr>
+        </p:nvSpPr>
+        <p:spPr/>
+        <p:txBody>
+          <a:bodyPr/>
+          <a:lstStyle/>
+          <a:p>
+            <a:r>
+              <a:rPr lang="en-US" dirty="0" smtClean="0"/>
+              <a:t>Solution Breakdown</a:t>
+            </a:r>
+            <a:endParaRPr lang="en-US" dirty="0"/>
+          </a:p>
+        </p:txBody>
+      </p:sp>
+      <p:pic>
+        <p:nvPicPr>
+          <p:cNvPr id="4" name="Content Placeholder 3"/>
+          <p:cNvPicPr>
+            <a:picLocks noGrp="1" noChangeAspect="1"/>
+          </p:cNvPicPr>
+          <p:nvPr>
+            <p:ph idx="1"/>
+          </p:nvPr>
+        </p:nvPicPr>
+        <p:blipFill>
+          <a:blip r:embed="rId2">
+            <a:extLst>
+              <a:ext uri="{28A0092B-C50C-407E-A947-70E740481C1C}">
+                <a14:useLocalDpi xmlns:a14="http://schemas.microsoft.com/office/drawing/2010/main" val="0"/>
+              </a:ext>
+            </a:extLst>
+          </a:blip>
+          <a:stretch>
+            <a:fillRect/>
+          </a:stretch>
+        </p:blipFill>
+        <p:spPr>
+          <a:xfrm>
+            <a:off x="2546690" y="2371479"/>
+            <a:ext cx="6621834" cy="3274211"/>
+          </a:xfrm>
+        </p:spPr>
+      </p:pic>
+    </p:spTree>
+    <p:extLst>
+      <p:ext uri="{BB962C8B-B14F-4D97-AF65-F5344CB8AC3E}">
+        <p14:creationId xmlns:p14="http://schemas.microsoft.com/office/powerpoint/2010/main" val="2651580378"/>
+      </p:ext>
+    </p:extLst>
+  </p:cSld>
+  <p:clrMapOvr>
+    <a:masterClrMapping/>
+  </p:clrMapOvr>
+  <p:timing>
+    <p:tnLst>
+      <p:par>
+        <p:cTn id="1" dur="indefinite" restart="never" nodeType="tmRoot"/>
+      </p:par>
+    </p:tnLst>
+  </p:timing>
+</p:sld>
+</file>
+
+<file path=ppt/slides/slide13.xml><?xml version="1.0" encoding="utf-8"?>
+<p:sld xmlns:a="http://schemas.openxmlformats.org/drawingml/2006/main" xmlns:r="http://schemas.openxmlformats.org/officeDocument/2006/relationships" xmlns:p="http://schemas.openxmlformats.org/presentationml/2006/main">
+  <p:cSld>
+    <p:spTree>
+      <p:nvGrpSpPr>
+        <p:cNvPr id="1" name=""/>
+        <p:cNvGrpSpPr/>
+        <p:nvPr/>
+      </p:nvGrpSpPr>
+      <p:grpSpPr>
+        <a:xfrm>
+          <a:off x="0" y="0"/>
+          <a:ext cx="0" cy="0"/>
+          <a:chOff x="0" y="0"/>
+          <a:chExt cx="0" cy="0"/>
+        </a:xfrm>
+      </p:grpSpPr>
+      <p:sp>
+        <p:nvSpPr>
+          <p:cNvPr id="2" name="Title 1"/>
+          <p:cNvSpPr>
+            <a:spLocks noGrp="1"/>
+          </p:cNvSpPr>
+          <p:nvPr>
+            <p:ph type="title"/>
+          </p:nvPr>
+        </p:nvSpPr>
+        <p:spPr/>
+        <p:txBody>
+          <a:bodyPr/>
+          <a:lstStyle/>
+          <a:p>
+            <a:r>
+              <a:rPr lang="en-US" dirty="0" smtClean="0"/>
+              <a:t>Lab Time</a:t>
+            </a:r>
+            <a:endParaRPr lang="en-US" dirty="0"/>
+          </a:p>
+        </p:txBody>
+      </p:sp>
+      <p:sp>
+        <p:nvSpPr>
+          <p:cNvPr id="3" name="Content Placeholder 2"/>
+          <p:cNvSpPr>
+            <a:spLocks noGrp="1"/>
+          </p:cNvSpPr>
+          <p:nvPr>
+            <p:ph idx="1"/>
+          </p:nvPr>
+        </p:nvSpPr>
+        <p:spPr/>
+        <p:txBody>
+          <a:bodyPr>
+            <a:normAutofit/>
+          </a:bodyPr>
+          <a:lstStyle/>
+          <a:p>
+            <a:r>
+              <a:rPr lang="en-US" sz="2800" dirty="0" smtClean="0"/>
+              <a:t>Your Turn</a:t>
+            </a:r>
+            <a:endParaRPr lang="en-US" sz="2800" b="1" dirty="0" smtClean="0"/>
+          </a:p>
+          <a:p>
+            <a:endParaRPr lang="en-US" sz="2800" dirty="0"/>
+          </a:p>
+        </p:txBody>
+      </p:sp>
+      <p:pic>
+        <p:nvPicPr>
+          <p:cNvPr id="1028" name="Picture 4" descr="https://encrypted-tbn0.gstatic.com/images?q=tbn:ANd9GcSP2YLHVBKgGm7veWhEJGHNfak12HMRzhxHnuhQ-XqijkXLger3"/>
+          <p:cNvPicPr>
+            <a:picLocks noChangeAspect="1" noChangeArrowheads="1"/>
+          </p:cNvPicPr>
+          <p:nvPr/>
+        </p:nvPicPr>
+        <p:blipFill>
+          <a:blip r:embed="rId2">
+            <a:extLst>
+              <a:ext uri="{28A0092B-C50C-407E-A947-70E740481C1C}">
+                <a14:useLocalDpi xmlns:a14="http://schemas.microsoft.com/office/drawing/2010/main" val="0"/>
+              </a:ext>
+            </a:extLst>
+          </a:blip>
+          <a:srcRect/>
+          <a:stretch>
+            <a:fillRect/>
+          </a:stretch>
+        </p:blipFill>
+        <p:spPr bwMode="auto">
+          <a:xfrm>
+            <a:off x="5938201" y="2901077"/>
+            <a:ext cx="5897495" cy="3696319"/>
+          </a:xfrm>
+          <a:prstGeom prst="rect">
+            <a:avLst/>
+          </a:prstGeom>
+          <a:noFill/>
+          <a:extLst>
+            <a:ext uri="{909E8E84-426E-40DD-AFC4-6F175D3DCCD1}">
+              <a14:hiddenFill xmlns:a14="http://schemas.microsoft.com/office/drawing/2010/main">
+                <a:solidFill>
+                  <a:srgbClr val="FFFFFF"/>
+                </a:solidFill>
+              </a14:hiddenFill>
+            </a:ext>
+          </a:extLst>
+        </p:spPr>
+      </p:pic>
+    </p:spTree>
+    <p:extLst>
+      <p:ext uri="{BB962C8B-B14F-4D97-AF65-F5344CB8AC3E}">
+        <p14:creationId xmlns:p14="http://schemas.microsoft.com/office/powerpoint/2010/main" val="464169999"/>
+      </p:ext>
+    </p:extLst>
+  </p:cSld>
+  <p:clrMapOvr>
+    <a:masterClrMapping/>
+  </p:clrMapOvr>
+  <p:timing>
+    <p:tnLst>
+      <p:par>
+        <p:cTn id="1" dur="indefinite" restart="never" nodeType="tmRoot"/>
+      </p:par>
+    </p:tnLst>
+  </p:timing>
+</p:sld>
+</file>
+
 <file path=ppt/slides/slide2.xml><?xml version="1.0" encoding="utf-8"?>
 <p:sld xmlns:a="http://schemas.openxmlformats.org/drawingml/2006/main" xmlns:r="http://schemas.openxmlformats.org/officeDocument/2006/relationships" xmlns:p="http://schemas.openxmlformats.org/presentationml/2006/main">
   <p:cSld>
@@ -6952,7 +7432,7 @@
         <p:spPr bwMode="gray">
           <a:xfrm>
             <a:off x="942140" y="1198480"/>
-            <a:ext cx="7024744" cy="1143000"/>
+            <a:ext cx="10262480" cy="1143000"/>
           </a:xfrm>
           <a:prstGeom prst="rect">
             <a:avLst/>
@@ -7123,10 +7603,10 @@
                 <a:ea typeface="Segoe UI" panose="020B0502040204020203" pitchFamily="34" charset="0"/>
                 <a:cs typeface="Segoe UI" panose="020B0502040204020203" pitchFamily="34" charset="0"/>
               </a:rPr>
-              <a:t>Ryan Riley and Daniel </a:t>
-            </a:r>
-            <a:r>
-              <a:rPr dirty="0">
+              <a:t>Ryan </a:t>
+            </a:r>
+            <a:r>
+              <a:rPr dirty="0" smtClean="0">
                 <a:solidFill>
                   <a:srgbClr val="FFFFFF"/>
                 </a:solidFill>
@@ -7134,8 +7614,82 @@
                 <a:ea typeface="Segoe UI" panose="020B0502040204020203" pitchFamily="34" charset="0"/>
                 <a:cs typeface="Segoe UI" panose="020B0502040204020203" pitchFamily="34" charset="0"/>
               </a:rPr>
-              <a:t>Mohl</a:t>
-            </a:r>
+              <a:t>Riley (@</a:t>
+            </a:r>
+            <a:r>
+              <a:rPr dirty="0" err="1" smtClean="0">
+                <a:solidFill>
+                  <a:srgbClr val="FFFFFF"/>
+                </a:solidFill>
+                <a:latin typeface="Segoe UI" panose="020B0502040204020203" pitchFamily="34" charset="0"/>
+                <a:ea typeface="Segoe UI" panose="020B0502040204020203" pitchFamily="34" charset="0"/>
+                <a:cs typeface="Segoe UI" panose="020B0502040204020203" pitchFamily="34" charset="0"/>
+              </a:rPr>
+              <a:t>panesofglass</a:t>
+            </a:r>
+            <a:r>
+              <a:rPr dirty="0" smtClean="0">
+                <a:solidFill>
+                  <a:srgbClr val="FFFFFF"/>
+                </a:solidFill>
+                <a:latin typeface="Segoe UI" panose="020B0502040204020203" pitchFamily="34" charset="0"/>
+                <a:ea typeface="Segoe UI" panose="020B0502040204020203" pitchFamily="34" charset="0"/>
+                <a:cs typeface="Segoe UI" panose="020B0502040204020203" pitchFamily="34" charset="0"/>
+              </a:rPr>
+              <a:t> and </a:t>
+            </a:r>
+            <a:r>
+              <a:rPr dirty="0" smtClean="0">
+                <a:solidFill>
+                  <a:srgbClr val="FFFFFF"/>
+                </a:solidFill>
+                <a:latin typeface="Segoe UI" panose="020B0502040204020203" pitchFamily="34" charset="0"/>
+                <a:ea typeface="Segoe UI" panose="020B0502040204020203" pitchFamily="34" charset="0"/>
+                <a:cs typeface="Segoe UI" panose="020B0502040204020203" pitchFamily="34" charset="0"/>
+              </a:rPr>
+              <a:t>Daniel </a:t>
+            </a:r>
+            <a:r>
+              <a:rPr dirty="0" smtClean="0">
+                <a:solidFill>
+                  <a:srgbClr val="FFFFFF"/>
+                </a:solidFill>
+                <a:latin typeface="Segoe UI" panose="020B0502040204020203" pitchFamily="34" charset="0"/>
+                <a:ea typeface="Segoe UI" panose="020B0502040204020203" pitchFamily="34" charset="0"/>
+                <a:cs typeface="Segoe UI" panose="020B0502040204020203" pitchFamily="34" charset="0"/>
+              </a:rPr>
+              <a:t>Mohl (@</a:t>
+            </a:r>
+            <a:r>
+              <a:rPr dirty="0" err="1" smtClean="0">
+                <a:solidFill>
+                  <a:srgbClr val="FFFFFF"/>
+                </a:solidFill>
+                <a:latin typeface="Segoe UI" panose="020B0502040204020203" pitchFamily="34" charset="0"/>
+                <a:ea typeface="Segoe UI" panose="020B0502040204020203" pitchFamily="34" charset="0"/>
+                <a:cs typeface="Segoe UI" panose="020B0502040204020203" pitchFamily="34" charset="0"/>
+              </a:rPr>
+              <a:t>dmohl</a:t>
+            </a:r>
+            <a:r>
+              <a:rPr smtClean="0">
+                <a:solidFill>
+                  <a:srgbClr val="FFFFFF"/>
+                </a:solidFill>
+                <a:latin typeface="Segoe UI" panose="020B0502040204020203" pitchFamily="34" charset="0"/>
+                <a:ea typeface="Segoe UI" panose="020B0502040204020203" pitchFamily="34" charset="0"/>
+                <a:cs typeface="Segoe UI" panose="020B0502040204020203" pitchFamily="34" charset="0"/>
+              </a:rPr>
+              <a:t>)</a:t>
+            </a:r>
+            <a:endParaRPr dirty="0">
+              <a:solidFill>
+                <a:srgbClr val="FFFFFF"/>
+              </a:solidFill>
+              <a:latin typeface="Segoe UI" panose="020B0502040204020203" pitchFamily="34" charset="0"/>
+              <a:ea typeface="Segoe UI" panose="020B0502040204020203" pitchFamily="34" charset="0"/>
+              <a:cs typeface="Segoe UI" panose="020B0502040204020203" pitchFamily="34" charset="0"/>
+            </a:endParaRPr>
           </a:p>
         </p:txBody>
       </p:sp>
@@ -7356,6 +7910,232 @@
           </a:prstGeom>
         </p:spPr>
       </p:pic>
+      <p:sp>
+        <p:nvSpPr>
+          <p:cNvPr id="3" name="Rectangle 2"/>
+          <p:cNvSpPr/>
+          <p:nvPr/>
+        </p:nvSpPr>
+        <p:spPr>
+          <a:xfrm>
+            <a:off x="3040107" y="5807230"/>
+            <a:ext cx="7866256" cy="461665"/>
+          </a:xfrm>
+          <a:prstGeom prst="rect">
+            <a:avLst/>
+          </a:prstGeom>
+        </p:spPr>
+        <p:txBody>
+          <a:bodyPr wrap="none">
+            <a:spAutoFit/>
+          </a:bodyPr>
+          <a:lstStyle/>
+          <a:p>
+            <a:r>
+              <a:rPr lang="en-US" sz="2400" dirty="0">
+                <a:hlinkClick r:id="rId6"/>
+              </a:rPr>
+              <a:t>https://github.com/dmohl/FsOnTheWeb-Workshop/</a:t>
+            </a:r>
+            <a:endParaRPr lang="en-US" sz="2400" dirty="0"/>
+          </a:p>
+        </p:txBody>
+      </p:sp>
+      <p:sp>
+        <p:nvSpPr>
+          <p:cNvPr id="8" name="Title 1"/>
+          <p:cNvSpPr txBox="1">
+            <a:spLocks/>
+          </p:cNvSpPr>
+          <p:nvPr/>
+        </p:nvSpPr>
+        <p:spPr bwMode="gray">
+          <a:xfrm>
+            <a:off x="978632" y="5677714"/>
+            <a:ext cx="2563060" cy="571500"/>
+          </a:xfrm>
+          <a:prstGeom prst="rect">
+            <a:avLst/>
+          </a:prstGeom>
+        </p:spPr>
+        <p:txBody>
+          <a:bodyPr lIns="0" tIns="0" rIns="0" bIns="0" anchor="b" anchorCtr="0">
+            <a:normAutofit fontScale="97500"/>
+          </a:bodyPr>
+          <a:lstStyle>
+            <a:lvl1pPr algn="l" rtl="0" eaLnBrk="1" fontAlgn="base" hangingPunct="1">
+              <a:lnSpc>
+                <a:spcPct val="85000"/>
+              </a:lnSpc>
+              <a:spcBef>
+                <a:spcPct val="0"/>
+              </a:spcBef>
+              <a:spcAft>
+                <a:spcPct val="0"/>
+              </a:spcAft>
+              <a:defRPr kumimoji="0" lang="en-US" sz="3200" b="0" i="0" u="none" strike="noStrike" kern="1200" cap="none" spc="0" normalizeH="0" baseline="0" noProof="0" smtClean="0">
+                <a:ln>
+                  <a:noFill/>
+                </a:ln>
+                <a:solidFill>
+                  <a:schemeClr val="tx2"/>
+                </a:solidFill>
+                <a:effectLst/>
+                <a:uLnTx/>
+                <a:uFillTx/>
+                <a:latin typeface="Times New Roman" pitchFamily="18" charset="0"/>
+                <a:ea typeface="+mj-ea"/>
+                <a:cs typeface="+mj-cs"/>
+              </a:defRPr>
+            </a:lvl1pPr>
+            <a:lvl2pPr algn="l" rtl="0" eaLnBrk="1" fontAlgn="base" hangingPunct="1">
+              <a:lnSpc>
+                <a:spcPct val="90000"/>
+              </a:lnSpc>
+              <a:spcBef>
+                <a:spcPct val="0"/>
+              </a:spcBef>
+              <a:spcAft>
+                <a:spcPct val="0"/>
+              </a:spcAft>
+              <a:defRPr b="1">
+                <a:solidFill>
+                  <a:schemeClr val="tx1"/>
+                </a:solidFill>
+                <a:latin typeface="Arial" charset="0"/>
+              </a:defRPr>
+            </a:lvl2pPr>
+            <a:lvl3pPr algn="l" rtl="0" eaLnBrk="1" fontAlgn="base" hangingPunct="1">
+              <a:lnSpc>
+                <a:spcPct val="90000"/>
+              </a:lnSpc>
+              <a:spcBef>
+                <a:spcPct val="0"/>
+              </a:spcBef>
+              <a:spcAft>
+                <a:spcPct val="0"/>
+              </a:spcAft>
+              <a:defRPr b="1">
+                <a:solidFill>
+                  <a:schemeClr val="tx1"/>
+                </a:solidFill>
+                <a:latin typeface="Arial" charset="0"/>
+              </a:defRPr>
+            </a:lvl3pPr>
+            <a:lvl4pPr algn="l" rtl="0" eaLnBrk="1" fontAlgn="base" hangingPunct="1">
+              <a:lnSpc>
+                <a:spcPct val="90000"/>
+              </a:lnSpc>
+              <a:spcBef>
+                <a:spcPct val="0"/>
+              </a:spcBef>
+              <a:spcAft>
+                <a:spcPct val="0"/>
+              </a:spcAft>
+              <a:defRPr b="1">
+                <a:solidFill>
+                  <a:schemeClr val="tx1"/>
+                </a:solidFill>
+                <a:latin typeface="Arial" charset="0"/>
+              </a:defRPr>
+            </a:lvl4pPr>
+            <a:lvl5pPr algn="l" rtl="0" eaLnBrk="1" fontAlgn="base" hangingPunct="1">
+              <a:lnSpc>
+                <a:spcPct val="90000"/>
+              </a:lnSpc>
+              <a:spcBef>
+                <a:spcPct val="0"/>
+              </a:spcBef>
+              <a:spcAft>
+                <a:spcPct val="0"/>
+              </a:spcAft>
+              <a:defRPr b="1">
+                <a:solidFill>
+                  <a:schemeClr val="tx1"/>
+                </a:solidFill>
+                <a:latin typeface="Arial" charset="0"/>
+              </a:defRPr>
+            </a:lvl5pPr>
+            <a:lvl6pPr marL="457200" algn="l" rtl="0" eaLnBrk="1" fontAlgn="base" hangingPunct="1">
+              <a:spcBef>
+                <a:spcPct val="0"/>
+              </a:spcBef>
+              <a:spcAft>
+                <a:spcPct val="0"/>
+              </a:spcAft>
+              <a:defRPr sz="2400" b="1">
+                <a:solidFill>
+                  <a:schemeClr val="accent1"/>
+                </a:solidFill>
+                <a:latin typeface="Arial" charset="0"/>
+              </a:defRPr>
+            </a:lvl6pPr>
+            <a:lvl7pPr marL="914400" algn="l" rtl="0" eaLnBrk="1" fontAlgn="base" hangingPunct="1">
+              <a:spcBef>
+                <a:spcPct val="0"/>
+              </a:spcBef>
+              <a:spcAft>
+                <a:spcPct val="0"/>
+              </a:spcAft>
+              <a:defRPr sz="2400" b="1">
+                <a:solidFill>
+                  <a:schemeClr val="accent1"/>
+                </a:solidFill>
+                <a:latin typeface="Arial" charset="0"/>
+              </a:defRPr>
+            </a:lvl7pPr>
+            <a:lvl8pPr marL="1371600" algn="l" rtl="0" eaLnBrk="1" fontAlgn="base" hangingPunct="1">
+              <a:spcBef>
+                <a:spcPct val="0"/>
+              </a:spcBef>
+              <a:spcAft>
+                <a:spcPct val="0"/>
+              </a:spcAft>
+              <a:defRPr sz="2400" b="1">
+                <a:solidFill>
+                  <a:schemeClr val="accent1"/>
+                </a:solidFill>
+                <a:latin typeface="Arial" charset="0"/>
+              </a:defRPr>
+            </a:lvl8pPr>
+            <a:lvl9pPr marL="1828800" algn="l" rtl="0" eaLnBrk="1" fontAlgn="base" hangingPunct="1">
+              <a:spcBef>
+                <a:spcPct val="0"/>
+              </a:spcBef>
+              <a:spcAft>
+                <a:spcPct val="0"/>
+              </a:spcAft>
+              <a:defRPr sz="2400" b="1">
+                <a:solidFill>
+                  <a:schemeClr val="accent1"/>
+                </a:solidFill>
+                <a:latin typeface="Arial" charset="0"/>
+              </a:defRPr>
+            </a:lvl9pPr>
+          </a:lstStyle>
+          <a:p>
+            <a:r>
+              <a:rPr lang="en-US" dirty="0" smtClean="0">
+                <a:solidFill>
+                  <a:srgbClr val="FFFFFF"/>
+                </a:solidFill>
+                <a:latin typeface="Segoe UI" panose="020B0502040204020203" pitchFamily="34" charset="0"/>
+                <a:ea typeface="Segoe UI" panose="020B0502040204020203" pitchFamily="34" charset="0"/>
+                <a:cs typeface="Segoe UI" panose="020B0502040204020203" pitchFamily="34" charset="0"/>
+              </a:rPr>
+              <a:t>Examples:</a:t>
+            </a:r>
+            <a:endParaRPr dirty="0">
+              <a:solidFill>
+                <a:srgbClr val="FFFFFF"/>
+              </a:solidFill>
+              <a:latin typeface="Segoe UI" panose="020B0502040204020203" pitchFamily="34" charset="0"/>
+              <a:ea typeface="Segoe UI" panose="020B0502040204020203" pitchFamily="34" charset="0"/>
+              <a:cs typeface="Segoe UI" panose="020B0502040204020203" pitchFamily="34" charset="0"/>
+            </a:endParaRPr>
+          </a:p>
+        </p:txBody>
+      </p:sp>
     </p:spTree>
     <p:extLst>
       <p:ext uri="{BB962C8B-B14F-4D97-AF65-F5344CB8AC3E}">
@@ -7579,11 +8359,7 @@
           <a:p>
             <a:r>
               <a:rPr lang="en-US" sz="2800" dirty="0" smtClean="0"/>
-              <a:t>Pattern </a:t>
-            </a:r>
-            <a:r>
-              <a:rPr lang="en-US" sz="2800" dirty="0" smtClean="0"/>
-              <a:t>Matching</a:t>
+              <a:t>Pattern Matching</a:t>
             </a:r>
           </a:p>
           <a:p>
@@ -7591,7 +8367,6 @@
               <a:rPr lang="en-US" sz="2800" dirty="0" smtClean="0"/>
               <a:t>Units of Measure</a:t>
             </a:r>
-            <a:endParaRPr lang="en-US" sz="2800" dirty="0" smtClean="0"/>
           </a:p>
           <a:p>
             <a:r>
@@ -7994,47 +8769,6 @@
           </a:p>
         </p:txBody>
       </p:sp>
-      <p:pic>
-        <p:nvPicPr>
-          <p:cNvPr id="2050" name="Picture 2" descr="http://images.clipartof.com/small/1048741-Royalty-Free-RF-Clip-Art-Illustration-Of-A-Cartoon-Super-Geek.jpg"/>
-          <p:cNvPicPr>
-            <a:picLocks noChangeAspect="1" noChangeArrowheads="1"/>
-          </p:cNvPicPr>
-          <p:nvPr/>
-        </p:nvPicPr>
-        <p:blipFill>
-          <a:blip r:embed="rId2">
-            <a:extLst>
-              <a:ext uri="{28A0092B-C50C-407E-A947-70E740481C1C}">
-                <a14:useLocalDpi xmlns:a14="http://schemas.microsoft.com/office/drawing/2010/main" val="0"/>
-              </a:ext>
-            </a:extLst>
-          </a:blip>
-          <a:srcRect/>
-          <a:stretch>
-            <a:fillRect/>
-          </a:stretch>
-        </p:blipFill>
-        <p:spPr bwMode="auto">
-          <a:xfrm>
-            <a:off x="8807116" y="3564597"/>
-            <a:ext cx="3093787" cy="3059789"/>
-          </a:xfrm>
-          <a:prstGeom prst="rect">
-            <a:avLst/>
-          </a:prstGeom>
-          <a:noFill/>
-          <a:extLst>
-            <a:ext uri="{909E8E84-426E-40DD-AFC4-6F175D3DCCD1}">
-              <a14:hiddenFill xmlns:a14="http://schemas.microsoft.com/office/drawing/2010/main">
-                <a:solidFill>
-                  <a:srgbClr val="FFFFFF"/>
-                </a:solidFill>
-              </a14:hiddenFill>
-            </a:ext>
-          </a:extLst>
-        </p:spPr>
-      </p:pic>
     </p:spTree>
     <p:extLst>
       <p:ext uri="{BB962C8B-B14F-4D97-AF65-F5344CB8AC3E}">
@@ -8088,49 +8822,16 @@
           <a:lstStyle/>
           <a:p>
             <a:r>
-              <a:rPr lang="en-US" dirty="0" smtClean="0"/>
-              <a:t>Building an ASP.NET MVC 4 Solution</a:t>
+              <a:rPr lang="en-US" dirty="0" err="1" smtClean="0"/>
+              <a:t>GuitarController.cs</a:t>
             </a:r>
             <a:endParaRPr lang="en-US" dirty="0"/>
-          </a:p>
-        </p:txBody>
-      </p:sp>
-      <p:sp>
-        <p:nvSpPr>
-          <p:cNvPr id="3" name="Content Placeholder 2"/>
-          <p:cNvSpPr>
-            <a:spLocks noGrp="1"/>
-          </p:cNvSpPr>
-          <p:nvPr>
-            <p:ph idx="1"/>
-          </p:nvPr>
-        </p:nvSpPr>
-        <p:spPr/>
-        <p:txBody>
-          <a:bodyPr>
-            <a:normAutofit/>
-          </a:bodyPr>
-          <a:lstStyle/>
-          <a:p>
-            <a:r>
-              <a:rPr lang="en-US" sz="2800" dirty="0" smtClean="0"/>
-              <a:t>Looking at a C# example</a:t>
-            </a:r>
-          </a:p>
-          <a:p>
-            <a:r>
-              <a:rPr lang="en-US" sz="2800" b="1" dirty="0" smtClean="0"/>
-              <a:t>Create an F# equivalent solution</a:t>
-            </a:r>
-          </a:p>
-          <a:p>
-            <a:endParaRPr lang="en-US" sz="2800" dirty="0"/>
           </a:p>
         </p:txBody>
       </p:sp>
       <p:pic>
         <p:nvPicPr>
-          <p:cNvPr id="5" name="Picture 2" descr="https://encrypted-tbn3.gstatic.com/images?q=tbn:ANd9GcROKnjgwUIf1jBmtc5oFmGfVQutq4GYYFi-_HPBoRzbZmoWtQSq"/>
+          <p:cNvPr id="1026" name="Picture 2"/>
           <p:cNvPicPr>
             <a:picLocks noChangeAspect="1" noChangeArrowheads="1"/>
           </p:cNvPicPr>
@@ -8151,20 +8852,43 @@
         </p:blipFill>
         <p:spPr bwMode="auto">
           <a:xfrm>
-            <a:off x="6864450" y="3191300"/>
-            <a:ext cx="4855334" cy="3481185"/>
+            <a:off x="2461604" y="1233021"/>
+            <a:ext cx="7134589" cy="5502630"/>
           </a:xfrm>
           <a:prstGeom prst="rect">
             <a:avLst/>
           </a:prstGeom>
           <a:noFill/>
+          <a:ln>
+            <a:noFill/>
+          </a:ln>
+          <a:effectLst/>
           <a:extLst>
             <a:ext uri="{909E8E84-426E-40DD-AFC4-6F175D3DCCD1}">
               <a14:hiddenFill xmlns:a14="http://schemas.microsoft.com/office/drawing/2010/main">
                 <a:solidFill>
-                  <a:srgbClr val="FFFFFF"/>
+                  <a:schemeClr val="accent1"/>
                 </a:solidFill>
               </a14:hiddenFill>
+            </a:ext>
+            <a:ext uri="{91240B29-F687-4F45-9708-019B960494DF}">
+              <a14:hiddenLine xmlns:a14="http://schemas.microsoft.com/office/drawing/2010/main" w="9525">
+                <a:solidFill>
+                  <a:schemeClr val="tx1"/>
+                </a:solidFill>
+                <a:miter lim="800000"/>
+                <a:headEnd/>
+                <a:tailEnd/>
+              </a14:hiddenLine>
+            </a:ext>
+            <a:ext uri="{AF507438-7753-43E0-B8FC-AC1667EBCBE1}">
+              <a14:hiddenEffects xmlns:a14="http://schemas.microsoft.com/office/drawing/2010/main">
+                <a:effectLst>
+                  <a:outerShdw dist="35921" dir="2700000" algn="ctr" rotWithShape="0">
+                    <a:schemeClr val="bg2"/>
+                  </a:outerShdw>
+                </a:effectLst>
+              </a14:hiddenEffects>
             </a:ext>
           </a:extLst>
         </p:spPr>
@@ -8172,7 +8896,7 @@
     </p:spTree>
     <p:extLst>
       <p:ext uri="{BB962C8B-B14F-4D97-AF65-F5344CB8AC3E}">
-        <p14:creationId xmlns:p14="http://schemas.microsoft.com/office/powerpoint/2010/main" val="838713968"/>
+        <p14:creationId xmlns:p14="http://schemas.microsoft.com/office/powerpoint/2010/main" val="4232959545"/>
       </p:ext>
     </p:extLst>
   </p:cSld>
@@ -8222,8 +8946,8 @@
           <a:lstStyle/>
           <a:p>
             <a:r>
-              <a:rPr lang="en-US" dirty="0" smtClean="0"/>
-              <a:t>Solution Breakdown</a:t>
+              <a:rPr lang="en-US" dirty="0" err="1" smtClean="0"/>
+              <a:t>GuitarController.fs</a:t>
             </a:r>
             <a:endParaRPr lang="en-US" dirty="0"/>
           </a:p>
@@ -8231,13 +8955,11 @@
       </p:sp>
       <p:pic>
         <p:nvPicPr>
-          <p:cNvPr id="4" name="Content Placeholder 3"/>
+          <p:cNvPr id="2050" name="Picture 2"/>
           <p:cNvPicPr>
-            <a:picLocks noGrp="1" noChangeAspect="1"/>
+            <a:picLocks noChangeAspect="1" noChangeArrowheads="1"/>
           </p:cNvPicPr>
-          <p:nvPr>
-            <p:ph idx="1"/>
-          </p:nvPr>
+          <p:nvPr/>
         </p:nvPicPr>
         <p:blipFill>
           <a:blip r:embed="rId2">
@@ -8247,21 +8969,58 @@
               </a:ext>
             </a:extLst>
           </a:blip>
+          <a:srcRect/>
           <a:stretch>
             <a:fillRect/>
           </a:stretch>
         </p:blipFill>
-        <p:spPr>
+        <p:spPr bwMode="auto">
           <a:xfrm>
-            <a:off x="2546690" y="2371479"/>
-            <a:ext cx="6621834" cy="3274211"/>
+            <a:off x="2857835" y="1133546"/>
+            <a:ext cx="6771757" cy="5685817"/>
           </a:xfrm>
+          <a:prstGeom prst="rect">
+            <a:avLst/>
+          </a:prstGeom>
+          <a:noFill/>
+          <a:ln>
+            <a:noFill/>
+          </a:ln>
+          <a:effectLst/>
+          <a:extLst>
+            <a:ext uri="{909E8E84-426E-40DD-AFC4-6F175D3DCCD1}">
+              <a14:hiddenFill xmlns:a14="http://schemas.microsoft.com/office/drawing/2010/main">
+                <a:solidFill>
+                  <a:schemeClr val="accent1"/>
+                </a:solidFill>
+              </a14:hiddenFill>
+            </a:ext>
+            <a:ext uri="{91240B29-F687-4F45-9708-019B960494DF}">
+              <a14:hiddenLine xmlns:a14="http://schemas.microsoft.com/office/drawing/2010/main" w="9525">
+                <a:solidFill>
+                  <a:schemeClr val="tx1"/>
+                </a:solidFill>
+                <a:miter lim="800000"/>
+                <a:headEnd/>
+                <a:tailEnd/>
+              </a14:hiddenLine>
+            </a:ext>
+            <a:ext uri="{AF507438-7753-43E0-B8FC-AC1667EBCBE1}">
+              <a14:hiddenEffects xmlns:a14="http://schemas.microsoft.com/office/drawing/2010/main">
+                <a:effectLst>
+                  <a:outerShdw dist="35921" dir="2700000" algn="ctr" rotWithShape="0">
+                    <a:schemeClr val="bg2"/>
+                  </a:outerShdw>
+                </a:effectLst>
+              </a14:hiddenEffects>
+            </a:ext>
+          </a:extLst>
         </p:spPr>
       </p:pic>
     </p:spTree>
     <p:extLst>
       <p:ext uri="{BB962C8B-B14F-4D97-AF65-F5344CB8AC3E}">
-        <p14:creationId xmlns:p14="http://schemas.microsoft.com/office/powerpoint/2010/main" val="2651580378"/>
+        <p14:creationId xmlns:p14="http://schemas.microsoft.com/office/powerpoint/2010/main" val="3568602273"/>
       </p:ext>
     </p:extLst>
   </p:cSld>
@@ -8311,44 +9070,16 @@
           <a:lstStyle/>
           <a:p>
             <a:r>
-              <a:rPr lang="en-US" dirty="0" smtClean="0"/>
-              <a:t>Lab Time</a:t>
+              <a:rPr lang="en-US" dirty="0" err="1" smtClean="0"/>
+              <a:t>Guitar.cs</a:t>
             </a:r>
             <a:endParaRPr lang="en-US" dirty="0"/>
-          </a:p>
-        </p:txBody>
-      </p:sp>
-      <p:sp>
-        <p:nvSpPr>
-          <p:cNvPr id="3" name="Content Placeholder 2"/>
-          <p:cNvSpPr>
-            <a:spLocks noGrp="1"/>
-          </p:cNvSpPr>
-          <p:nvPr>
-            <p:ph idx="1"/>
-          </p:nvPr>
-        </p:nvSpPr>
-        <p:spPr/>
-        <p:txBody>
-          <a:bodyPr>
-            <a:normAutofit/>
-          </a:bodyPr>
-          <a:lstStyle/>
-          <a:p>
-            <a:r>
-              <a:rPr lang="en-US" sz="2800" dirty="0" smtClean="0"/>
-              <a:t>Your Turn</a:t>
-            </a:r>
-            <a:endParaRPr lang="en-US" sz="2800" b="1" dirty="0" smtClean="0"/>
-          </a:p>
-          <a:p>
-            <a:endParaRPr lang="en-US" sz="2800" dirty="0"/>
           </a:p>
         </p:txBody>
       </p:sp>
       <p:pic>
         <p:nvPicPr>
-          <p:cNvPr id="1028" name="Picture 4" descr="https://encrypted-tbn0.gstatic.com/images?q=tbn:ANd9GcSP2YLHVBKgGm7veWhEJGHNfak12HMRzhxHnuhQ-XqijkXLger3"/>
+          <p:cNvPr id="3074" name="Picture 2"/>
           <p:cNvPicPr>
             <a:picLocks noChangeAspect="1" noChangeArrowheads="1"/>
           </p:cNvPicPr>
@@ -8369,20 +9100,43 @@
         </p:blipFill>
         <p:spPr bwMode="auto">
           <a:xfrm>
-            <a:off x="5938201" y="2901077"/>
-            <a:ext cx="5897495" cy="3696319"/>
+            <a:off x="3387150" y="2117373"/>
+            <a:ext cx="4857213" cy="2488572"/>
           </a:xfrm>
           <a:prstGeom prst="rect">
             <a:avLst/>
           </a:prstGeom>
           <a:noFill/>
+          <a:ln>
+            <a:noFill/>
+          </a:ln>
+          <a:effectLst/>
           <a:extLst>
             <a:ext uri="{909E8E84-426E-40DD-AFC4-6F175D3DCCD1}">
               <a14:hiddenFill xmlns:a14="http://schemas.microsoft.com/office/drawing/2010/main">
                 <a:solidFill>
-                  <a:srgbClr val="FFFFFF"/>
+                  <a:schemeClr val="accent1"/>
                 </a:solidFill>
               </a14:hiddenFill>
+            </a:ext>
+            <a:ext uri="{91240B29-F687-4F45-9708-019B960494DF}">
+              <a14:hiddenLine xmlns:a14="http://schemas.microsoft.com/office/drawing/2010/main" w="9525">
+                <a:solidFill>
+                  <a:schemeClr val="tx1"/>
+                </a:solidFill>
+                <a:miter lim="800000"/>
+                <a:headEnd/>
+                <a:tailEnd/>
+              </a14:hiddenLine>
+            </a:ext>
+            <a:ext uri="{AF507438-7753-43E0-B8FC-AC1667EBCBE1}">
+              <a14:hiddenEffects xmlns:a14="http://schemas.microsoft.com/office/drawing/2010/main">
+                <a:effectLst>
+                  <a:outerShdw dist="35921" dir="2700000" algn="ctr" rotWithShape="0">
+                    <a:schemeClr val="bg2"/>
+                  </a:outerShdw>
+                </a:effectLst>
+              </a14:hiddenEffects>
             </a:ext>
           </a:extLst>
         </p:spPr>
@@ -8390,7 +9144,7 @@
     </p:spTree>
     <p:extLst>
       <p:ext uri="{BB962C8B-B14F-4D97-AF65-F5344CB8AC3E}">
-        <p14:creationId xmlns:p14="http://schemas.microsoft.com/office/powerpoint/2010/main" val="464169999"/>
+        <p14:creationId xmlns:p14="http://schemas.microsoft.com/office/powerpoint/2010/main" val="3461232081"/>
       </p:ext>
     </p:extLst>
   </p:cSld>

--- a/Intro to F# and ASP.NET MVC.pptx
+++ b/Intro to F# and ASP.NET MVC.pptx
@@ -6,18 +6,17 @@
   </p:sldMasterIdLst>
   <p:sldIdLst>
     <p:sldId id="256" r:id="rId2"/>
-    <p:sldId id="257" r:id="rId3"/>
-    <p:sldId id="258" r:id="rId4"/>
-    <p:sldId id="259" r:id="rId5"/>
-    <p:sldId id="263" r:id="rId6"/>
-    <p:sldId id="260" r:id="rId7"/>
-    <p:sldId id="267" r:id="rId8"/>
-    <p:sldId id="268" r:id="rId9"/>
-    <p:sldId id="269" r:id="rId10"/>
-    <p:sldId id="270" r:id="rId11"/>
-    <p:sldId id="264" r:id="rId12"/>
-    <p:sldId id="262" r:id="rId13"/>
-    <p:sldId id="266" r:id="rId14"/>
+    <p:sldId id="258" r:id="rId3"/>
+    <p:sldId id="259" r:id="rId4"/>
+    <p:sldId id="263" r:id="rId5"/>
+    <p:sldId id="260" r:id="rId6"/>
+    <p:sldId id="267" r:id="rId7"/>
+    <p:sldId id="268" r:id="rId8"/>
+    <p:sldId id="269" r:id="rId9"/>
+    <p:sldId id="270" r:id="rId10"/>
+    <p:sldId id="264" r:id="rId11"/>
+    <p:sldId id="262" r:id="rId12"/>
+    <p:sldId id="266" r:id="rId13"/>
   </p:sldIdLst>
   <p:sldSz cx="12192000" cy="6858000"/>
   <p:notesSz cx="6858000" cy="9144000"/>
@@ -118,7 +117,7 @@
   </p:defaultTextStyle>
   <p:extLst>
     <p:ext uri="{EFAFB233-063F-42B5-8137-9DF3F51BA10A}">
-      <p15:sldGuideLst xmlns:p15="http://schemas.microsoft.com/office/powerpoint/2012/main" xmlns="">
+      <p15:sldGuideLst xmlns:p15="http://schemas.microsoft.com/office/powerpoint/2012/main">
         <p15:guide id="1" orient="horz" pos="2160">
           <p15:clr>
             <a:srgbClr val="A4A3A4"/>
@@ -318,7 +317,7 @@
           <a:p>
             <a:fld id="{4AAD347D-5ACD-4C99-B74B-A9C85AD731AF}" type="datetime1">
               <a:rPr lang="en-US" smtClean="0"/>
-              <a:t>7/8/2013</a:t>
+              <a:t>9/29/2013</a:t>
             </a:fld>
             <a:endParaRPr lang="en-US"/>
           </a:p>
@@ -588,7 +587,7 @@
           <a:p>
             <a:fld id="{4509A250-FF31-4206-8172-F9D3106AACB1}" type="datetime1">
               <a:rPr lang="en-US" smtClean="0"/>
-              <a:t>7/8/2013</a:t>
+              <a:t>9/29/2013</a:t>
             </a:fld>
             <a:endParaRPr lang="en-US" dirty="0"/>
           </a:p>
@@ -710,7 +709,7 @@
           <a:p>
             <a:fld id="{4509A250-FF31-4206-8172-F9D3106AACB1}" type="datetime1">
               <a:rPr lang="en-US" smtClean="0"/>
-              <a:t>7/8/2013</a:t>
+              <a:t>9/29/2013</a:t>
             </a:fld>
             <a:endParaRPr lang="en-US" dirty="0"/>
           </a:p>
@@ -899,7 +898,7 @@
           <a:p>
             <a:fld id="{4509A250-FF31-4206-8172-F9D3106AACB1}" type="datetime1">
               <a:rPr lang="en-US" smtClean="0"/>
-              <a:t>7/8/2013</a:t>
+              <a:t>9/29/2013</a:t>
             </a:fld>
             <a:endParaRPr lang="en-US" dirty="0"/>
           </a:p>
@@ -1369,7 +1368,7 @@
           <a:p>
             <a:fld id="{4509A250-FF31-4206-8172-F9D3106AACB1}" type="datetime1">
               <a:rPr lang="en-US" smtClean="0"/>
-              <a:t>7/8/2013</a:t>
+              <a:t>9/29/2013</a:t>
             </a:fld>
             <a:endParaRPr lang="en-US" dirty="0"/>
           </a:p>
@@ -1491,7 +1490,7 @@
           <a:p>
             <a:fld id="{4509A250-FF31-4206-8172-F9D3106AACB1}" type="datetime1">
               <a:rPr lang="en-US" smtClean="0"/>
-              <a:t>7/8/2013</a:t>
+              <a:t>9/29/2013</a:t>
             </a:fld>
             <a:endParaRPr lang="en-US" dirty="0"/>
           </a:p>
@@ -1777,7 +1776,7 @@
           <a:p>
             <a:fld id="{4509A250-FF31-4206-8172-F9D3106AACB1}" type="datetime1">
               <a:rPr lang="en-US" smtClean="0"/>
-              <a:t>7/8/2013</a:t>
+              <a:t>9/29/2013</a:t>
             </a:fld>
             <a:endParaRPr lang="en-US" dirty="0"/>
           </a:p>
@@ -2523,7 +2522,7 @@
           <a:p>
             <a:fld id="{4509A250-FF31-4206-8172-F9D3106AACB1}" type="datetime1">
               <a:rPr lang="en-US" smtClean="0"/>
-              <a:t>7/8/2013</a:t>
+              <a:t>9/29/2013</a:t>
             </a:fld>
             <a:endParaRPr lang="en-US" dirty="0"/>
           </a:p>
@@ -3365,7 +3364,7 @@
           <a:p>
             <a:fld id="{4509A250-FF31-4206-8172-F9D3106AACB1}" type="datetime1">
               <a:rPr lang="en-US" smtClean="0"/>
-              <a:t>7/8/2013</a:t>
+              <a:t>9/29/2013</a:t>
             </a:fld>
             <a:endParaRPr lang="en-US" dirty="0"/>
           </a:p>
@@ -3530,7 +3529,7 @@
           <a:p>
             <a:fld id="{4509A250-FF31-4206-8172-F9D3106AACB1}" type="datetime1">
               <a:rPr lang="en-US" smtClean="0"/>
-              <a:t>7/8/2013</a:t>
+              <a:t>9/29/2013</a:t>
             </a:fld>
             <a:endParaRPr lang="en-US" dirty="0"/>
           </a:p>
@@ -3705,7 +3704,7 @@
           <a:p>
             <a:fld id="{4509A250-FF31-4206-8172-F9D3106AACB1}" type="datetime1">
               <a:rPr lang="en-US" smtClean="0"/>
-              <a:t>7/8/2013</a:t>
+              <a:t>9/29/2013</a:t>
             </a:fld>
             <a:endParaRPr lang="en-US" dirty="0"/>
           </a:p>
@@ -3870,7 +3869,7 @@
           <a:p>
             <a:fld id="{4509A250-FF31-4206-8172-F9D3106AACB1}" type="datetime1">
               <a:rPr lang="en-US" smtClean="0"/>
-              <a:t>7/8/2013</a:t>
+              <a:t>9/29/2013</a:t>
             </a:fld>
             <a:endParaRPr lang="en-US" dirty="0"/>
           </a:p>
@@ -4109,7 +4108,7 @@
           <a:p>
             <a:fld id="{4509A250-FF31-4206-8172-F9D3106AACB1}" type="datetime1">
               <a:rPr lang="en-US" smtClean="0"/>
-              <a:t>7/8/2013</a:t>
+              <a:t>9/29/2013</a:t>
             </a:fld>
             <a:endParaRPr lang="en-US" dirty="0"/>
           </a:p>
@@ -4396,7 +4395,7 @@
           <a:p>
             <a:fld id="{4509A250-FF31-4206-8172-F9D3106AACB1}" type="datetime1">
               <a:rPr lang="en-US" smtClean="0"/>
-              <a:t>7/8/2013</a:t>
+              <a:t>9/29/2013</a:t>
             </a:fld>
             <a:endParaRPr lang="en-US" dirty="0"/>
           </a:p>
@@ -4829,7 +4828,7 @@
           <a:p>
             <a:fld id="{4509A250-FF31-4206-8172-F9D3106AACB1}" type="datetime1">
               <a:rPr lang="en-US" smtClean="0"/>
-              <a:t>7/8/2013</a:t>
+              <a:t>9/29/2013</a:t>
             </a:fld>
             <a:endParaRPr lang="en-US" dirty="0"/>
           </a:p>
@@ -4942,7 +4941,7 @@
           <a:p>
             <a:fld id="{4509A250-FF31-4206-8172-F9D3106AACB1}" type="datetime1">
               <a:rPr lang="en-US" smtClean="0"/>
-              <a:t>7/8/2013</a:t>
+              <a:t>9/29/2013</a:t>
             </a:fld>
             <a:endParaRPr lang="en-US" dirty="0"/>
           </a:p>
@@ -5032,7 +5031,7 @@
           <a:p>
             <a:fld id="{4509A250-FF31-4206-8172-F9D3106AACB1}" type="datetime1">
               <a:rPr lang="en-US" smtClean="0"/>
-              <a:t>7/8/2013</a:t>
+              <a:t>9/29/2013</a:t>
             </a:fld>
             <a:endParaRPr lang="en-US" dirty="0"/>
           </a:p>
@@ -5306,7 +5305,7 @@
           <a:p>
             <a:fld id="{4509A250-FF31-4206-8172-F9D3106AACB1}" type="datetime1">
               <a:rPr lang="en-US" smtClean="0"/>
-              <a:t>7/8/2013</a:t>
+              <a:t>9/29/2013</a:t>
             </a:fld>
             <a:endParaRPr lang="en-US" dirty="0"/>
           </a:p>
@@ -5576,7 +5575,7 @@
           <a:p>
             <a:fld id="{4509A250-FF31-4206-8172-F9D3106AACB1}" type="datetime1">
               <a:rPr lang="en-US" smtClean="0"/>
-              <a:t>7/8/2013</a:t>
+              <a:t>9/29/2013</a:t>
             </a:fld>
             <a:endParaRPr lang="en-US" dirty="0"/>
           </a:p>
@@ -6184,7 +6183,7 @@
           <a:p>
             <a:fld id="{4509A250-FF31-4206-8172-F9D3106AACB1}" type="datetime1">
               <a:rPr lang="en-US" smtClean="0"/>
-              <a:t>7/8/2013</a:t>
+              <a:t>9/29/2013</a:t>
             </a:fld>
             <a:endParaRPr lang="en-US" dirty="0"/>
           </a:p>
@@ -6738,24 +6737,13 @@
                 <a:ea typeface="Segoe UI" panose="020B0502040204020203" pitchFamily="34" charset="0"/>
                 <a:cs typeface="Segoe UI" panose="020B0502040204020203" pitchFamily="34" charset="0"/>
               </a:rPr>
-              <a:t>Ryan Riley and Daniel </a:t>
-            </a:r>
-            <a:r>
-              <a:rPr lang="en-US" cap="none" dirty="0">
-                <a:latin typeface="Segoe UI" panose="020B0502040204020203" pitchFamily="34" charset="0"/>
-                <a:ea typeface="Segoe UI" panose="020B0502040204020203" pitchFamily="34" charset="0"/>
-                <a:cs typeface="Segoe UI" panose="020B0502040204020203" pitchFamily="34" charset="0"/>
-              </a:rPr>
-              <a:t>M</a:t>
-            </a:r>
-            <a:r>
-              <a:rPr lang="en-US" cap="none" dirty="0" smtClean="0">
-                <a:latin typeface="Segoe UI" panose="020B0502040204020203" pitchFamily="34" charset="0"/>
-                <a:ea typeface="Segoe UI" panose="020B0502040204020203" pitchFamily="34" charset="0"/>
-                <a:cs typeface="Segoe UI" panose="020B0502040204020203" pitchFamily="34" charset="0"/>
-              </a:rPr>
-              <a:t>ohl</a:t>
-            </a:r>
+              <a:t>Daniel Mohl and Zach Bray</a:t>
+            </a:r>
+            <a:endParaRPr lang="en-US" cap="none" dirty="0" smtClean="0">
+              <a:latin typeface="Segoe UI" panose="020B0502040204020203" pitchFamily="34" charset="0"/>
+              <a:ea typeface="Segoe UI" panose="020B0502040204020203" pitchFamily="34" charset="0"/>
+              <a:cs typeface="Segoe UI" panose="020B0502040204020203" pitchFamily="34" charset="0"/>
+            </a:endParaRPr>
           </a:p>
           <a:p>
             <a:pPr marL="342900" indent="-342900">
@@ -6776,7 +6764,7 @@
                 <a:ea typeface="Segoe UI" panose="020B0502040204020203" pitchFamily="34" charset="0"/>
                 <a:cs typeface="Segoe UI" panose="020B0502040204020203" pitchFamily="34" charset="0"/>
               </a:rPr>
-              <a:t>panesofglass</a:t>
+              <a:t>dmohl</a:t>
             </a:r>
             <a:r>
               <a:rPr lang="en-US" cap="none" dirty="0" smtClean="0">
@@ -6792,7 +6780,7 @@
                 <a:ea typeface="Segoe UI" panose="020B0502040204020203" pitchFamily="34" charset="0"/>
                 <a:cs typeface="Segoe UI" panose="020B0502040204020203" pitchFamily="34" charset="0"/>
               </a:rPr>
-              <a:t>dmohl</a:t>
+              <a:t>zbray</a:t>
             </a:r>
             <a:endParaRPr lang="en-US" cap="none" dirty="0" smtClean="0">
               <a:latin typeface="Segoe UI" panose="020B0502040204020203" pitchFamily="34" charset="0"/>
@@ -6806,35 +6794,40 @@
               <a:buChar char="•"/>
             </a:pPr>
             <a:r>
-              <a:rPr lang="en-US" cap="none" dirty="0">
-                <a:latin typeface="Segoe UI" panose="020B0502040204020203" pitchFamily="34" charset="0"/>
-                <a:ea typeface="Segoe UI" panose="020B0502040204020203" pitchFamily="34" charset="0"/>
-                <a:cs typeface="Segoe UI" panose="020B0502040204020203" pitchFamily="34" charset="0"/>
-              </a:rPr>
-              <a:t>w</a:t>
-            </a:r>
-            <a:r>
               <a:rPr lang="en-US" cap="none" dirty="0" smtClean="0">
                 <a:latin typeface="Segoe UI" panose="020B0502040204020203" pitchFamily="34" charset="0"/>
                 <a:ea typeface="Segoe UI" panose="020B0502040204020203" pitchFamily="34" charset="0"/>
                 <a:cs typeface="Segoe UI" panose="020B0502040204020203" pitchFamily="34" charset="0"/>
               </a:rPr>
-              <a:t>izardsofsmart.net</a:t>
-            </a:r>
-          </a:p>
-          <a:p>
-            <a:pPr marL="342900" indent="-342900">
-              <a:buFont typeface="Arial"/>
-              <a:buChar char="•"/>
-            </a:pPr>
+              <a:t>b</a:t>
+            </a:r>
             <a:r>
               <a:rPr lang="en-US" cap="none" dirty="0" smtClean="0">
                 <a:latin typeface="Segoe UI" panose="020B0502040204020203" pitchFamily="34" charset="0"/>
                 <a:ea typeface="Segoe UI" panose="020B0502040204020203" pitchFamily="34" charset="0"/>
                 <a:cs typeface="Segoe UI" panose="020B0502040204020203" pitchFamily="34" charset="0"/>
               </a:rPr>
-              <a:t>Blog.danielmohl.com</a:t>
-            </a:r>
+              <a:t>log.danielmohl.com</a:t>
+            </a:r>
+          </a:p>
+          <a:p>
+            <a:pPr marL="342900" indent="-342900">
+              <a:buFont typeface="Arial"/>
+              <a:buChar char="•"/>
+            </a:pPr>
+            <a:r>
+              <a:rPr lang="en-US" cap="none" dirty="0" smtClean="0">
+                <a:latin typeface="Segoe UI" panose="020B0502040204020203" pitchFamily="34" charset="0"/>
+                <a:ea typeface="Segoe UI" panose="020B0502040204020203" pitchFamily="34" charset="0"/>
+                <a:cs typeface="Segoe UI" panose="020B0502040204020203" pitchFamily="34" charset="0"/>
+              </a:rPr>
+              <a:t>zbray.com</a:t>
+            </a:r>
+            <a:endParaRPr lang="en-US" cap="none" dirty="0" smtClean="0">
+              <a:latin typeface="Segoe UI" panose="020B0502040204020203" pitchFamily="34" charset="0"/>
+              <a:ea typeface="Segoe UI" panose="020B0502040204020203" pitchFamily="34" charset="0"/>
+              <a:cs typeface="Segoe UI" panose="020B0502040204020203" pitchFamily="34" charset="0"/>
+            </a:endParaRPr>
           </a:p>
           <a:p>
             <a:endParaRPr lang="en-US" dirty="0">
@@ -6866,130 +6859,6 @@
 </file>
 
 <file path=ppt/slides/slide10.xml><?xml version="1.0" encoding="utf-8"?>
-<p:sld xmlns:a="http://schemas.openxmlformats.org/drawingml/2006/main" xmlns:r="http://schemas.openxmlformats.org/officeDocument/2006/relationships" xmlns:p="http://schemas.openxmlformats.org/presentationml/2006/main">
-  <p:cSld>
-    <p:spTree>
-      <p:nvGrpSpPr>
-        <p:cNvPr id="1" name=""/>
-        <p:cNvGrpSpPr/>
-        <p:nvPr/>
-      </p:nvGrpSpPr>
-      <p:grpSpPr>
-        <a:xfrm>
-          <a:off x="0" y="0"/>
-          <a:ext cx="0" cy="0"/>
-          <a:chOff x="0" y="0"/>
-          <a:chExt cx="0" cy="0"/>
-        </a:xfrm>
-      </p:grpSpPr>
-      <p:sp>
-        <p:nvSpPr>
-          <p:cNvPr id="2" name="Title 1"/>
-          <p:cNvSpPr>
-            <a:spLocks noGrp="1"/>
-          </p:cNvSpPr>
-          <p:nvPr>
-            <p:ph type="title"/>
-          </p:nvPr>
-        </p:nvSpPr>
-        <p:spPr/>
-        <p:txBody>
-          <a:bodyPr/>
-          <a:lstStyle/>
-          <a:p>
-            <a:r>
-              <a:rPr lang="en-US" dirty="0" err="1" smtClean="0"/>
-              <a:t>Guitar.fs</a:t>
-            </a:r>
-            <a:endParaRPr lang="en-US" dirty="0"/>
-          </a:p>
-        </p:txBody>
-      </p:sp>
-      <p:pic>
-        <p:nvPicPr>
-          <p:cNvPr id="4098" name="Picture 2"/>
-          <p:cNvPicPr>
-            <a:picLocks noChangeAspect="1" noChangeArrowheads="1"/>
-          </p:cNvPicPr>
-          <p:nvPr/>
-        </p:nvPicPr>
-        <p:blipFill>
-          <a:blip r:embed="rId2">
-            <a:extLst>
-              <a:ext uri="{28A0092B-C50C-407E-A947-70E740481C1C}">
-                <a14:useLocalDpi xmlns:a14="http://schemas.microsoft.com/office/drawing/2010/main" val="0"/>
-              </a:ext>
-            </a:extLst>
-          </a:blip>
-          <a:srcRect/>
-          <a:stretch>
-            <a:fillRect/>
-          </a:stretch>
-        </p:blipFill>
-        <p:spPr bwMode="auto">
-          <a:xfrm>
-            <a:off x="2856504" y="2498504"/>
-            <a:ext cx="6085404" cy="1717251"/>
-          </a:xfrm>
-          <a:prstGeom prst="rect">
-            <a:avLst/>
-          </a:prstGeom>
-          <a:noFill/>
-          <a:ln>
-            <a:noFill/>
-          </a:ln>
-          <a:effectLst/>
-          <a:extLst>
-            <a:ext uri="{909E8E84-426E-40DD-AFC4-6F175D3DCCD1}">
-              <a14:hiddenFill xmlns:a14="http://schemas.microsoft.com/office/drawing/2010/main">
-                <a:solidFill>
-                  <a:schemeClr val="accent1"/>
-                </a:solidFill>
-              </a14:hiddenFill>
-            </a:ext>
-            <a:ext uri="{91240B29-F687-4F45-9708-019B960494DF}">
-              <a14:hiddenLine xmlns:a14="http://schemas.microsoft.com/office/drawing/2010/main" w="9525">
-                <a:solidFill>
-                  <a:schemeClr val="tx1"/>
-                </a:solidFill>
-                <a:miter lim="800000"/>
-                <a:headEnd/>
-                <a:tailEnd/>
-              </a14:hiddenLine>
-            </a:ext>
-            <a:ext uri="{AF507438-7753-43E0-B8FC-AC1667EBCBE1}">
-              <a14:hiddenEffects xmlns:a14="http://schemas.microsoft.com/office/drawing/2010/main">
-                <a:effectLst>
-                  <a:outerShdw dist="35921" dir="2700000" algn="ctr" rotWithShape="0">
-                    <a:schemeClr val="bg2"/>
-                  </a:outerShdw>
-                </a:effectLst>
-              </a14:hiddenEffects>
-            </a:ext>
-          </a:extLst>
-        </p:spPr>
-      </p:pic>
-    </p:spTree>
-    <p:extLst>
-      <p:ext uri="{BB962C8B-B14F-4D97-AF65-F5344CB8AC3E}">
-        <p14:creationId xmlns:p14="http://schemas.microsoft.com/office/powerpoint/2010/main" val="3815723180"/>
-      </p:ext>
-    </p:extLst>
-  </p:cSld>
-  <p:clrMapOvr>
-    <a:masterClrMapping/>
-  </p:clrMapOvr>
-  <p:timing>
-    <p:tnLst>
-      <p:par>
-        <p:cTn id="1" dur="indefinite" restart="never" nodeType="tmRoot"/>
-      </p:par>
-    </p:tnLst>
-  </p:timing>
-</p:sld>
-</file>
-
-<file path=ppt/slides/slide11.xml><?xml version="1.0" encoding="utf-8"?>
 <p:sld xmlns:a="http://schemas.openxmlformats.org/drawingml/2006/main" xmlns:r="http://schemas.openxmlformats.org/officeDocument/2006/relationships" xmlns:p="http://schemas.openxmlformats.org/presentationml/2006/main">
   <p:cSld>
     <p:spTree>
@@ -7123,7 +6992,7 @@
 </p:sld>
 </file>
 
-<file path=ppt/slides/slide12.xml><?xml version="1.0" encoding="utf-8"?>
+<file path=ppt/slides/slide11.xml><?xml version="1.0" encoding="utf-8"?>
 <p:sld xmlns:a="http://schemas.openxmlformats.org/drawingml/2006/main" xmlns:r="http://schemas.openxmlformats.org/officeDocument/2006/relationships" xmlns:p="http://schemas.openxmlformats.org/presentationml/2006/main">
   <p:cSld>
     <p:spTree>
@@ -7212,7 +7081,7 @@
 </p:sld>
 </file>
 
-<file path=ppt/slides/slide13.xml><?xml version="1.0" encoding="utf-8"?>
+<file path=ppt/slides/slide12.xml><?xml version="1.0" encoding="utf-8"?>
 <p:sld xmlns:a="http://schemas.openxmlformats.org/drawingml/2006/main" xmlns:r="http://schemas.openxmlformats.org/officeDocument/2006/relationships" xmlns:p="http://schemas.openxmlformats.org/presentationml/2006/main">
   <p:cSld>
     <p:spTree>
@@ -7342,821 +7211,6 @@
 </file>
 
 <file path=ppt/slides/slide2.xml><?xml version="1.0" encoding="utf-8"?>
-<p:sld xmlns:a="http://schemas.openxmlformats.org/drawingml/2006/main" xmlns:r="http://schemas.openxmlformats.org/officeDocument/2006/relationships" xmlns:p="http://schemas.openxmlformats.org/presentationml/2006/main">
-  <p:cSld>
-    <p:spTree>
-      <p:nvGrpSpPr>
-        <p:cNvPr id="1" name=""/>
-        <p:cNvGrpSpPr/>
-        <p:nvPr/>
-      </p:nvGrpSpPr>
-      <p:grpSpPr>
-        <a:xfrm>
-          <a:off x="0" y="0"/>
-          <a:ext cx="0" cy="0"/>
-          <a:chOff x="0" y="0"/>
-          <a:chExt cx="0" cy="0"/>
-        </a:xfrm>
-      </p:grpSpPr>
-      <p:sp>
-        <p:nvSpPr>
-          <p:cNvPr id="2" name="Title 1"/>
-          <p:cNvSpPr>
-            <a:spLocks noGrp="1"/>
-          </p:cNvSpPr>
-          <p:nvPr>
-            <p:ph type="title"/>
-          </p:nvPr>
-        </p:nvSpPr>
-        <p:spPr/>
-        <p:txBody>
-          <a:bodyPr/>
-          <a:lstStyle/>
-          <a:p>
-            <a:r>
-              <a:rPr lang="en-US" dirty="0" smtClean="0">
-                <a:latin typeface="Segoe UI" panose="020B0502040204020203" pitchFamily="34" charset="0"/>
-                <a:ea typeface="Segoe UI" panose="020B0502040204020203" pitchFamily="34" charset="0"/>
-                <a:cs typeface="Segoe UI" panose="020B0502040204020203" pitchFamily="34" charset="0"/>
-              </a:rPr>
-              <a:t>Who Are </a:t>
-            </a:r>
-            <a:r>
-              <a:rPr lang="en-US" dirty="0">
-                <a:latin typeface="Segoe UI" panose="020B0502040204020203" pitchFamily="34" charset="0"/>
-                <a:ea typeface="Segoe UI" panose="020B0502040204020203" pitchFamily="34" charset="0"/>
-                <a:cs typeface="Segoe UI" panose="020B0502040204020203" pitchFamily="34" charset="0"/>
-              </a:rPr>
-              <a:t>T</a:t>
-            </a:r>
-            <a:r>
-              <a:rPr lang="en-US" dirty="0" smtClean="0">
-                <a:latin typeface="Segoe UI" panose="020B0502040204020203" pitchFamily="34" charset="0"/>
-                <a:ea typeface="Segoe UI" panose="020B0502040204020203" pitchFamily="34" charset="0"/>
-                <a:cs typeface="Segoe UI" panose="020B0502040204020203" pitchFamily="34" charset="0"/>
-              </a:rPr>
-              <a:t>hese </a:t>
-            </a:r>
-            <a:r>
-              <a:rPr lang="en-US" dirty="0">
-                <a:latin typeface="Segoe UI" panose="020B0502040204020203" pitchFamily="34" charset="0"/>
-                <a:ea typeface="Segoe UI" panose="020B0502040204020203" pitchFamily="34" charset="0"/>
-                <a:cs typeface="Segoe UI" panose="020B0502040204020203" pitchFamily="34" charset="0"/>
-              </a:rPr>
-              <a:t>G</a:t>
-            </a:r>
-            <a:r>
-              <a:rPr lang="en-US" dirty="0" smtClean="0">
-                <a:latin typeface="Segoe UI" panose="020B0502040204020203" pitchFamily="34" charset="0"/>
-                <a:ea typeface="Segoe UI" panose="020B0502040204020203" pitchFamily="34" charset="0"/>
-                <a:cs typeface="Segoe UI" panose="020B0502040204020203" pitchFamily="34" charset="0"/>
-              </a:rPr>
-              <a:t>uys?</a:t>
-            </a:r>
-            <a:endParaRPr lang="en-US" dirty="0">
-              <a:latin typeface="Segoe UI" panose="020B0502040204020203" pitchFamily="34" charset="0"/>
-              <a:ea typeface="Segoe UI" panose="020B0502040204020203" pitchFamily="34" charset="0"/>
-              <a:cs typeface="Segoe UI" panose="020B0502040204020203" pitchFamily="34" charset="0"/>
-            </a:endParaRPr>
-          </a:p>
-        </p:txBody>
-      </p:sp>
-      <p:sp>
-        <p:nvSpPr>
-          <p:cNvPr id="14" name="Title 1"/>
-          <p:cNvSpPr txBox="1">
-            <a:spLocks/>
-          </p:cNvSpPr>
-          <p:nvPr/>
-        </p:nvSpPr>
-        <p:spPr bwMode="gray">
-          <a:xfrm>
-            <a:off x="942140" y="1198480"/>
-            <a:ext cx="10262480" cy="1143000"/>
-          </a:xfrm>
-          <a:prstGeom prst="rect">
-            <a:avLst/>
-          </a:prstGeom>
-        </p:spPr>
-        <p:txBody>
-          <a:bodyPr lIns="0" tIns="0" rIns="0" bIns="0" anchor="b" anchorCtr="0">
-            <a:normAutofit fontScale="97500"/>
-          </a:bodyPr>
-          <a:lstStyle>
-            <a:lvl1pPr algn="l" rtl="0" eaLnBrk="1" fontAlgn="base" hangingPunct="1">
-              <a:lnSpc>
-                <a:spcPct val="85000"/>
-              </a:lnSpc>
-              <a:spcBef>
-                <a:spcPct val="0"/>
-              </a:spcBef>
-              <a:spcAft>
-                <a:spcPct val="0"/>
-              </a:spcAft>
-              <a:defRPr kumimoji="0" lang="en-US" sz="3200" b="0" i="0" u="none" strike="noStrike" kern="1200" cap="none" spc="0" normalizeH="0" baseline="0" noProof="0" smtClean="0">
-                <a:ln>
-                  <a:noFill/>
-                </a:ln>
-                <a:solidFill>
-                  <a:schemeClr val="tx2"/>
-                </a:solidFill>
-                <a:effectLst/>
-                <a:uLnTx/>
-                <a:uFillTx/>
-                <a:latin typeface="Times New Roman" pitchFamily="18" charset="0"/>
-                <a:ea typeface="+mj-ea"/>
-                <a:cs typeface="+mj-cs"/>
-              </a:defRPr>
-            </a:lvl1pPr>
-            <a:lvl2pPr algn="l" rtl="0" eaLnBrk="1" fontAlgn="base" hangingPunct="1">
-              <a:lnSpc>
-                <a:spcPct val="90000"/>
-              </a:lnSpc>
-              <a:spcBef>
-                <a:spcPct val="0"/>
-              </a:spcBef>
-              <a:spcAft>
-                <a:spcPct val="0"/>
-              </a:spcAft>
-              <a:defRPr b="1">
-                <a:solidFill>
-                  <a:schemeClr val="tx1"/>
-                </a:solidFill>
-                <a:latin typeface="Arial" charset="0"/>
-              </a:defRPr>
-            </a:lvl2pPr>
-            <a:lvl3pPr algn="l" rtl="0" eaLnBrk="1" fontAlgn="base" hangingPunct="1">
-              <a:lnSpc>
-                <a:spcPct val="90000"/>
-              </a:lnSpc>
-              <a:spcBef>
-                <a:spcPct val="0"/>
-              </a:spcBef>
-              <a:spcAft>
-                <a:spcPct val="0"/>
-              </a:spcAft>
-              <a:defRPr b="1">
-                <a:solidFill>
-                  <a:schemeClr val="tx1"/>
-                </a:solidFill>
-                <a:latin typeface="Arial" charset="0"/>
-              </a:defRPr>
-            </a:lvl3pPr>
-            <a:lvl4pPr algn="l" rtl="0" eaLnBrk="1" fontAlgn="base" hangingPunct="1">
-              <a:lnSpc>
-                <a:spcPct val="90000"/>
-              </a:lnSpc>
-              <a:spcBef>
-                <a:spcPct val="0"/>
-              </a:spcBef>
-              <a:spcAft>
-                <a:spcPct val="0"/>
-              </a:spcAft>
-              <a:defRPr b="1">
-                <a:solidFill>
-                  <a:schemeClr val="tx1"/>
-                </a:solidFill>
-                <a:latin typeface="Arial" charset="0"/>
-              </a:defRPr>
-            </a:lvl4pPr>
-            <a:lvl5pPr algn="l" rtl="0" eaLnBrk="1" fontAlgn="base" hangingPunct="1">
-              <a:lnSpc>
-                <a:spcPct val="90000"/>
-              </a:lnSpc>
-              <a:spcBef>
-                <a:spcPct val="0"/>
-              </a:spcBef>
-              <a:spcAft>
-                <a:spcPct val="0"/>
-              </a:spcAft>
-              <a:defRPr b="1">
-                <a:solidFill>
-                  <a:schemeClr val="tx1"/>
-                </a:solidFill>
-                <a:latin typeface="Arial" charset="0"/>
-              </a:defRPr>
-            </a:lvl5pPr>
-            <a:lvl6pPr marL="457200" algn="l" rtl="0" eaLnBrk="1" fontAlgn="base" hangingPunct="1">
-              <a:spcBef>
-                <a:spcPct val="0"/>
-              </a:spcBef>
-              <a:spcAft>
-                <a:spcPct val="0"/>
-              </a:spcAft>
-              <a:defRPr sz="2400" b="1">
-                <a:solidFill>
-                  <a:schemeClr val="accent1"/>
-                </a:solidFill>
-                <a:latin typeface="Arial" charset="0"/>
-              </a:defRPr>
-            </a:lvl6pPr>
-            <a:lvl7pPr marL="914400" algn="l" rtl="0" eaLnBrk="1" fontAlgn="base" hangingPunct="1">
-              <a:spcBef>
-                <a:spcPct val="0"/>
-              </a:spcBef>
-              <a:spcAft>
-                <a:spcPct val="0"/>
-              </a:spcAft>
-              <a:defRPr sz="2400" b="1">
-                <a:solidFill>
-                  <a:schemeClr val="accent1"/>
-                </a:solidFill>
-                <a:latin typeface="Arial" charset="0"/>
-              </a:defRPr>
-            </a:lvl7pPr>
-            <a:lvl8pPr marL="1371600" algn="l" rtl="0" eaLnBrk="1" fontAlgn="base" hangingPunct="1">
-              <a:spcBef>
-                <a:spcPct val="0"/>
-              </a:spcBef>
-              <a:spcAft>
-                <a:spcPct val="0"/>
-              </a:spcAft>
-              <a:defRPr sz="2400" b="1">
-                <a:solidFill>
-                  <a:schemeClr val="accent1"/>
-                </a:solidFill>
-                <a:latin typeface="Arial" charset="0"/>
-              </a:defRPr>
-            </a:lvl8pPr>
-            <a:lvl9pPr marL="1828800" algn="l" rtl="0" eaLnBrk="1" fontAlgn="base" hangingPunct="1">
-              <a:spcBef>
-                <a:spcPct val="0"/>
-              </a:spcBef>
-              <a:spcAft>
-                <a:spcPct val="0"/>
-              </a:spcAft>
-              <a:defRPr sz="2400" b="1">
-                <a:solidFill>
-                  <a:schemeClr val="accent1"/>
-                </a:solidFill>
-                <a:latin typeface="Arial" charset="0"/>
-              </a:defRPr>
-            </a:lvl9pPr>
-          </a:lstStyle>
-          <a:p>
-            <a:r>
-              <a:rPr dirty="0" smtClean="0">
-                <a:solidFill>
-                  <a:srgbClr val="FFFFFF"/>
-                </a:solidFill>
-                <a:latin typeface="Segoe UI" panose="020B0502040204020203" pitchFamily="34" charset="0"/>
-                <a:ea typeface="Segoe UI" panose="020B0502040204020203" pitchFamily="34" charset="0"/>
-                <a:cs typeface="Segoe UI" panose="020B0502040204020203" pitchFamily="34" charset="0"/>
-              </a:rPr>
-              <a:t>Ryan </a:t>
-            </a:r>
-            <a:r>
-              <a:rPr dirty="0" smtClean="0">
-                <a:solidFill>
-                  <a:srgbClr val="FFFFFF"/>
-                </a:solidFill>
-                <a:latin typeface="Segoe UI" panose="020B0502040204020203" pitchFamily="34" charset="0"/>
-                <a:ea typeface="Segoe UI" panose="020B0502040204020203" pitchFamily="34" charset="0"/>
-                <a:cs typeface="Segoe UI" panose="020B0502040204020203" pitchFamily="34" charset="0"/>
-              </a:rPr>
-              <a:t>Riley (@</a:t>
-            </a:r>
-            <a:r>
-              <a:rPr dirty="0" err="1" smtClean="0">
-                <a:solidFill>
-                  <a:srgbClr val="FFFFFF"/>
-                </a:solidFill>
-                <a:latin typeface="Segoe UI" panose="020B0502040204020203" pitchFamily="34" charset="0"/>
-                <a:ea typeface="Segoe UI" panose="020B0502040204020203" pitchFamily="34" charset="0"/>
-                <a:cs typeface="Segoe UI" panose="020B0502040204020203" pitchFamily="34" charset="0"/>
-              </a:rPr>
-              <a:t>panesofglass</a:t>
-            </a:r>
-            <a:r>
-              <a:rPr dirty="0" smtClean="0">
-                <a:solidFill>
-                  <a:srgbClr val="FFFFFF"/>
-                </a:solidFill>
-                <a:latin typeface="Segoe UI" panose="020B0502040204020203" pitchFamily="34" charset="0"/>
-                <a:ea typeface="Segoe UI" panose="020B0502040204020203" pitchFamily="34" charset="0"/>
-                <a:cs typeface="Segoe UI" panose="020B0502040204020203" pitchFamily="34" charset="0"/>
-              </a:rPr>
-              <a:t> and </a:t>
-            </a:r>
-            <a:r>
-              <a:rPr dirty="0" smtClean="0">
-                <a:solidFill>
-                  <a:srgbClr val="FFFFFF"/>
-                </a:solidFill>
-                <a:latin typeface="Segoe UI" panose="020B0502040204020203" pitchFamily="34" charset="0"/>
-                <a:ea typeface="Segoe UI" panose="020B0502040204020203" pitchFamily="34" charset="0"/>
-                <a:cs typeface="Segoe UI" panose="020B0502040204020203" pitchFamily="34" charset="0"/>
-              </a:rPr>
-              <a:t>Daniel </a:t>
-            </a:r>
-            <a:r>
-              <a:rPr dirty="0" smtClean="0">
-                <a:solidFill>
-                  <a:srgbClr val="FFFFFF"/>
-                </a:solidFill>
-                <a:latin typeface="Segoe UI" panose="020B0502040204020203" pitchFamily="34" charset="0"/>
-                <a:ea typeface="Segoe UI" panose="020B0502040204020203" pitchFamily="34" charset="0"/>
-                <a:cs typeface="Segoe UI" panose="020B0502040204020203" pitchFamily="34" charset="0"/>
-              </a:rPr>
-              <a:t>Mohl (@</a:t>
-            </a:r>
-            <a:r>
-              <a:rPr dirty="0" err="1" smtClean="0">
-                <a:solidFill>
-                  <a:srgbClr val="FFFFFF"/>
-                </a:solidFill>
-                <a:latin typeface="Segoe UI" panose="020B0502040204020203" pitchFamily="34" charset="0"/>
-                <a:ea typeface="Segoe UI" panose="020B0502040204020203" pitchFamily="34" charset="0"/>
-                <a:cs typeface="Segoe UI" panose="020B0502040204020203" pitchFamily="34" charset="0"/>
-              </a:rPr>
-              <a:t>dmohl</a:t>
-            </a:r>
-            <a:r>
-              <a:rPr smtClean="0">
-                <a:solidFill>
-                  <a:srgbClr val="FFFFFF"/>
-                </a:solidFill>
-                <a:latin typeface="Segoe UI" panose="020B0502040204020203" pitchFamily="34" charset="0"/>
-                <a:ea typeface="Segoe UI" panose="020B0502040204020203" pitchFamily="34" charset="0"/>
-                <a:cs typeface="Segoe UI" panose="020B0502040204020203" pitchFamily="34" charset="0"/>
-              </a:rPr>
-              <a:t>)</a:t>
-            </a:r>
-            <a:endParaRPr dirty="0">
-              <a:solidFill>
-                <a:srgbClr val="FFFFFF"/>
-              </a:solidFill>
-              <a:latin typeface="Segoe UI" panose="020B0502040204020203" pitchFamily="34" charset="0"/>
-              <a:ea typeface="Segoe UI" panose="020B0502040204020203" pitchFamily="34" charset="0"/>
-              <a:cs typeface="Segoe UI" panose="020B0502040204020203" pitchFamily="34" charset="0"/>
-            </a:endParaRPr>
-          </a:p>
-        </p:txBody>
-      </p:sp>
-      <p:pic>
-        <p:nvPicPr>
-          <p:cNvPr id="17" name="Picture 16" descr="dock-gmail.png"/>
-          <p:cNvPicPr>
-            <a:picLocks noChangeAspect="1"/>
-          </p:cNvPicPr>
-          <p:nvPr/>
-        </p:nvPicPr>
-        <p:blipFill>
-          <a:blip r:embed="rId2" cstate="print"/>
-          <a:srcRect t="28571" r="4167"/>
-          <a:stretch>
-            <a:fillRect/>
-          </a:stretch>
-        </p:blipFill>
-        <p:spPr bwMode="auto">
-          <a:xfrm>
-            <a:off x="2434794" y="4134394"/>
-            <a:ext cx="357187" cy="298450"/>
-          </a:xfrm>
-          <a:prstGeom prst="rect">
-            <a:avLst/>
-          </a:prstGeom>
-          <a:noFill/>
-          <a:ln w="9525">
-            <a:noFill/>
-            <a:miter lim="800000"/>
-            <a:headEnd/>
-            <a:tailEnd/>
-          </a:ln>
-        </p:spPr>
-      </p:pic>
-      <p:sp>
-        <p:nvSpPr>
-          <p:cNvPr id="18" name="Text Box 15"/>
-          <p:cNvSpPr txBox="1">
-            <a:spLocks noChangeArrowheads="1"/>
-          </p:cNvSpPr>
-          <p:nvPr/>
-        </p:nvSpPr>
-        <p:spPr bwMode="auto">
-          <a:xfrm>
-            <a:off x="3028519" y="3768864"/>
-            <a:ext cx="5671745" cy="1077218"/>
-          </a:xfrm>
-          <a:prstGeom prst="rect">
-            <a:avLst/>
-          </a:prstGeom>
-          <a:noFill/>
-          <a:ln w="9525">
-            <a:noFill/>
-            <a:miter lim="800000"/>
-            <a:headEnd/>
-            <a:tailEnd/>
-          </a:ln>
-          <a:effectLst/>
-        </p:spPr>
-        <p:txBody>
-          <a:bodyPr wrap="none">
-            <a:spAutoFit/>
-          </a:bodyPr>
-          <a:lstStyle>
-            <a:lvl1pPr marL="0" algn="l" rtl="0" latinLnBrk="0">
-              <a:defRPr sz="1800" kern="1200">
-                <a:solidFill>
-                  <a:schemeClr val="tx1"/>
-                </a:solidFill>
-                <a:latin typeface="+mn-lt"/>
-                <a:ea typeface="+mn-ea"/>
-                <a:cs typeface="+mn-cs"/>
-              </a:defRPr>
-            </a:lvl1pPr>
-            <a:lvl2pPr marL="457200" algn="l" rtl="0" latinLnBrk="0">
-              <a:defRPr sz="1800" kern="1200">
-                <a:solidFill>
-                  <a:schemeClr val="tx1"/>
-                </a:solidFill>
-                <a:latin typeface="+mn-lt"/>
-                <a:ea typeface="+mn-ea"/>
-                <a:cs typeface="+mn-cs"/>
-              </a:defRPr>
-            </a:lvl2pPr>
-            <a:lvl3pPr marL="914400" algn="l" rtl="0" latinLnBrk="0">
-              <a:defRPr sz="1800" kern="1200">
-                <a:solidFill>
-                  <a:schemeClr val="tx1"/>
-                </a:solidFill>
-                <a:latin typeface="+mn-lt"/>
-                <a:ea typeface="+mn-ea"/>
-                <a:cs typeface="+mn-cs"/>
-              </a:defRPr>
-            </a:lvl3pPr>
-            <a:lvl4pPr marL="1371600" algn="l" rtl="0" latinLnBrk="0">
-              <a:defRPr sz="1800" kern="1200">
-                <a:solidFill>
-                  <a:schemeClr val="tx1"/>
-                </a:solidFill>
-                <a:latin typeface="+mn-lt"/>
-                <a:ea typeface="+mn-ea"/>
-                <a:cs typeface="+mn-cs"/>
-              </a:defRPr>
-            </a:lvl4pPr>
-            <a:lvl5pPr marL="1828800" algn="l" rtl="0" latinLnBrk="0">
-              <a:defRPr sz="1800" kern="1200">
-                <a:solidFill>
-                  <a:schemeClr val="tx1"/>
-                </a:solidFill>
-                <a:latin typeface="+mn-lt"/>
-                <a:ea typeface="+mn-ea"/>
-                <a:cs typeface="+mn-cs"/>
-              </a:defRPr>
-            </a:lvl5pPr>
-            <a:lvl6pPr marL="2286000" algn="l" rtl="0" latinLnBrk="0">
-              <a:defRPr sz="1800" kern="1200">
-                <a:solidFill>
-                  <a:schemeClr val="tx1"/>
-                </a:solidFill>
-                <a:latin typeface="+mn-lt"/>
-                <a:ea typeface="+mn-ea"/>
-                <a:cs typeface="+mn-cs"/>
-              </a:defRPr>
-            </a:lvl6pPr>
-            <a:lvl7pPr marL="2743200" algn="l" rtl="0" latinLnBrk="0">
-              <a:defRPr sz="1800" kern="1200">
-                <a:solidFill>
-                  <a:schemeClr val="tx1"/>
-                </a:solidFill>
-                <a:latin typeface="+mn-lt"/>
-                <a:ea typeface="+mn-ea"/>
-                <a:cs typeface="+mn-cs"/>
-              </a:defRPr>
-            </a:lvl7pPr>
-            <a:lvl8pPr marL="3200400" algn="l" rtl="0" latinLnBrk="0">
-              <a:defRPr sz="1800" kern="1200">
-                <a:solidFill>
-                  <a:schemeClr val="tx1"/>
-                </a:solidFill>
-                <a:latin typeface="+mn-lt"/>
-                <a:ea typeface="+mn-ea"/>
-                <a:cs typeface="+mn-cs"/>
-              </a:defRPr>
-            </a:lvl8pPr>
-            <a:lvl9pPr marL="3657600" algn="l" rtl="0" latinLnBrk="0">
-              <a:defRPr sz="1800" kern="1200">
-                <a:solidFill>
-                  <a:schemeClr val="tx1"/>
-                </a:solidFill>
-                <a:latin typeface="+mn-lt"/>
-                <a:ea typeface="+mn-ea"/>
-                <a:cs typeface="+mn-cs"/>
-              </a:defRPr>
-            </a:lvl9pPr>
-            <a:extLst/>
-          </a:lstStyle>
-          <a:p>
-            <a:r>
-              <a:rPr lang="en-US" sz="3200" dirty="0" smtClean="0">
-                <a:hlinkClick r:id="rId3"/>
-              </a:rPr>
-              <a:t>ryan.riley@panesofglass.org</a:t>
-            </a:r>
-            <a:endParaRPr lang="en-US" sz="3200" dirty="0" smtClean="0"/>
-          </a:p>
-          <a:p>
-            <a:r>
-              <a:rPr lang="en-US" sz="3200" dirty="0" smtClean="0">
-                <a:solidFill>
-                  <a:srgbClr val="FFFFFF"/>
-                </a:solidFill>
-                <a:latin typeface="Segoe UI" panose="020B0502040204020203" pitchFamily="34" charset="0"/>
-                <a:ea typeface="Segoe UI" panose="020B0502040204020203" pitchFamily="34" charset="0"/>
-                <a:cs typeface="Segoe UI" panose="020B0502040204020203" pitchFamily="34" charset="0"/>
-                <a:hlinkClick r:id="rId4"/>
-              </a:rPr>
-              <a:t>dmohl@yahoo.com</a:t>
-            </a:r>
-            <a:endParaRPr lang="en-US" sz="3200" dirty="0">
-              <a:solidFill>
-                <a:srgbClr val="FFFFFF"/>
-              </a:solidFill>
-              <a:latin typeface="Segoe UI" panose="020B0502040204020203" pitchFamily="34" charset="0"/>
-              <a:ea typeface="Segoe UI" panose="020B0502040204020203" pitchFamily="34" charset="0"/>
-              <a:cs typeface="Segoe UI" panose="020B0502040204020203" pitchFamily="34" charset="0"/>
-            </a:endParaRPr>
-          </a:p>
-        </p:txBody>
-      </p:sp>
-      <p:pic>
-        <p:nvPicPr>
-          <p:cNvPr id="21" name="Picture 20"/>
-          <p:cNvPicPr>
-            <a:picLocks noChangeAspect="1"/>
-          </p:cNvPicPr>
-          <p:nvPr/>
-        </p:nvPicPr>
-        <p:blipFill>
-          <a:blip r:embed="rId5">
-            <a:extLst>
-              <a:ext uri="{28A0092B-C50C-407E-A947-70E740481C1C}">
-                <a14:useLocalDpi xmlns:a14="http://schemas.microsoft.com/office/drawing/2010/main" val="0"/>
-              </a:ext>
-            </a:extLst>
-          </a:blip>
-          <a:stretch>
-            <a:fillRect/>
-          </a:stretch>
-        </p:blipFill>
-        <p:spPr>
-          <a:xfrm>
-            <a:off x="1041650" y="3432780"/>
-            <a:ext cx="1095375" cy="1714500"/>
-          </a:xfrm>
-          <a:prstGeom prst="rect">
-            <a:avLst/>
-          </a:prstGeom>
-        </p:spPr>
-      </p:pic>
-      <p:sp>
-        <p:nvSpPr>
-          <p:cNvPr id="3" name="Rectangle 2"/>
-          <p:cNvSpPr/>
-          <p:nvPr/>
-        </p:nvSpPr>
-        <p:spPr>
-          <a:xfrm>
-            <a:off x="3040107" y="5807230"/>
-            <a:ext cx="7866256" cy="461665"/>
-          </a:xfrm>
-          <a:prstGeom prst="rect">
-            <a:avLst/>
-          </a:prstGeom>
-        </p:spPr>
-        <p:txBody>
-          <a:bodyPr wrap="none">
-            <a:spAutoFit/>
-          </a:bodyPr>
-          <a:lstStyle/>
-          <a:p>
-            <a:r>
-              <a:rPr lang="en-US" sz="2400" dirty="0">
-                <a:hlinkClick r:id="rId6"/>
-              </a:rPr>
-              <a:t>https://github.com/dmohl/FsOnTheWeb-Workshop/</a:t>
-            </a:r>
-            <a:endParaRPr lang="en-US" sz="2400" dirty="0"/>
-          </a:p>
-        </p:txBody>
-      </p:sp>
-      <p:sp>
-        <p:nvSpPr>
-          <p:cNvPr id="8" name="Title 1"/>
-          <p:cNvSpPr txBox="1">
-            <a:spLocks/>
-          </p:cNvSpPr>
-          <p:nvPr/>
-        </p:nvSpPr>
-        <p:spPr bwMode="gray">
-          <a:xfrm>
-            <a:off x="978632" y="5677714"/>
-            <a:ext cx="2563060" cy="571500"/>
-          </a:xfrm>
-          <a:prstGeom prst="rect">
-            <a:avLst/>
-          </a:prstGeom>
-        </p:spPr>
-        <p:txBody>
-          <a:bodyPr lIns="0" tIns="0" rIns="0" bIns="0" anchor="b" anchorCtr="0">
-            <a:normAutofit fontScale="97500"/>
-          </a:bodyPr>
-          <a:lstStyle>
-            <a:lvl1pPr algn="l" rtl="0" eaLnBrk="1" fontAlgn="base" hangingPunct="1">
-              <a:lnSpc>
-                <a:spcPct val="85000"/>
-              </a:lnSpc>
-              <a:spcBef>
-                <a:spcPct val="0"/>
-              </a:spcBef>
-              <a:spcAft>
-                <a:spcPct val="0"/>
-              </a:spcAft>
-              <a:defRPr kumimoji="0" lang="en-US" sz="3200" b="0" i="0" u="none" strike="noStrike" kern="1200" cap="none" spc="0" normalizeH="0" baseline="0" noProof="0" smtClean="0">
-                <a:ln>
-                  <a:noFill/>
-                </a:ln>
-                <a:solidFill>
-                  <a:schemeClr val="tx2"/>
-                </a:solidFill>
-                <a:effectLst/>
-                <a:uLnTx/>
-                <a:uFillTx/>
-                <a:latin typeface="Times New Roman" pitchFamily="18" charset="0"/>
-                <a:ea typeface="+mj-ea"/>
-                <a:cs typeface="+mj-cs"/>
-              </a:defRPr>
-            </a:lvl1pPr>
-            <a:lvl2pPr algn="l" rtl="0" eaLnBrk="1" fontAlgn="base" hangingPunct="1">
-              <a:lnSpc>
-                <a:spcPct val="90000"/>
-              </a:lnSpc>
-              <a:spcBef>
-                <a:spcPct val="0"/>
-              </a:spcBef>
-              <a:spcAft>
-                <a:spcPct val="0"/>
-              </a:spcAft>
-              <a:defRPr b="1">
-                <a:solidFill>
-                  <a:schemeClr val="tx1"/>
-                </a:solidFill>
-                <a:latin typeface="Arial" charset="0"/>
-              </a:defRPr>
-            </a:lvl2pPr>
-            <a:lvl3pPr algn="l" rtl="0" eaLnBrk="1" fontAlgn="base" hangingPunct="1">
-              <a:lnSpc>
-                <a:spcPct val="90000"/>
-              </a:lnSpc>
-              <a:spcBef>
-                <a:spcPct val="0"/>
-              </a:spcBef>
-              <a:spcAft>
-                <a:spcPct val="0"/>
-              </a:spcAft>
-              <a:defRPr b="1">
-                <a:solidFill>
-                  <a:schemeClr val="tx1"/>
-                </a:solidFill>
-                <a:latin typeface="Arial" charset="0"/>
-              </a:defRPr>
-            </a:lvl3pPr>
-            <a:lvl4pPr algn="l" rtl="0" eaLnBrk="1" fontAlgn="base" hangingPunct="1">
-              <a:lnSpc>
-                <a:spcPct val="90000"/>
-              </a:lnSpc>
-              <a:spcBef>
-                <a:spcPct val="0"/>
-              </a:spcBef>
-              <a:spcAft>
-                <a:spcPct val="0"/>
-              </a:spcAft>
-              <a:defRPr b="1">
-                <a:solidFill>
-                  <a:schemeClr val="tx1"/>
-                </a:solidFill>
-                <a:latin typeface="Arial" charset="0"/>
-              </a:defRPr>
-            </a:lvl4pPr>
-            <a:lvl5pPr algn="l" rtl="0" eaLnBrk="1" fontAlgn="base" hangingPunct="1">
-              <a:lnSpc>
-                <a:spcPct val="90000"/>
-              </a:lnSpc>
-              <a:spcBef>
-                <a:spcPct val="0"/>
-              </a:spcBef>
-              <a:spcAft>
-                <a:spcPct val="0"/>
-              </a:spcAft>
-              <a:defRPr b="1">
-                <a:solidFill>
-                  <a:schemeClr val="tx1"/>
-                </a:solidFill>
-                <a:latin typeface="Arial" charset="0"/>
-              </a:defRPr>
-            </a:lvl5pPr>
-            <a:lvl6pPr marL="457200" algn="l" rtl="0" eaLnBrk="1" fontAlgn="base" hangingPunct="1">
-              <a:spcBef>
-                <a:spcPct val="0"/>
-              </a:spcBef>
-              <a:spcAft>
-                <a:spcPct val="0"/>
-              </a:spcAft>
-              <a:defRPr sz="2400" b="1">
-                <a:solidFill>
-                  <a:schemeClr val="accent1"/>
-                </a:solidFill>
-                <a:latin typeface="Arial" charset="0"/>
-              </a:defRPr>
-            </a:lvl6pPr>
-            <a:lvl7pPr marL="914400" algn="l" rtl="0" eaLnBrk="1" fontAlgn="base" hangingPunct="1">
-              <a:spcBef>
-                <a:spcPct val="0"/>
-              </a:spcBef>
-              <a:spcAft>
-                <a:spcPct val="0"/>
-              </a:spcAft>
-              <a:defRPr sz="2400" b="1">
-                <a:solidFill>
-                  <a:schemeClr val="accent1"/>
-                </a:solidFill>
-                <a:latin typeface="Arial" charset="0"/>
-              </a:defRPr>
-            </a:lvl7pPr>
-            <a:lvl8pPr marL="1371600" algn="l" rtl="0" eaLnBrk="1" fontAlgn="base" hangingPunct="1">
-              <a:spcBef>
-                <a:spcPct val="0"/>
-              </a:spcBef>
-              <a:spcAft>
-                <a:spcPct val="0"/>
-              </a:spcAft>
-              <a:defRPr sz="2400" b="1">
-                <a:solidFill>
-                  <a:schemeClr val="accent1"/>
-                </a:solidFill>
-                <a:latin typeface="Arial" charset="0"/>
-              </a:defRPr>
-            </a:lvl8pPr>
-            <a:lvl9pPr marL="1828800" algn="l" rtl="0" eaLnBrk="1" fontAlgn="base" hangingPunct="1">
-              <a:spcBef>
-                <a:spcPct val="0"/>
-              </a:spcBef>
-              <a:spcAft>
-                <a:spcPct val="0"/>
-              </a:spcAft>
-              <a:defRPr sz="2400" b="1">
-                <a:solidFill>
-                  <a:schemeClr val="accent1"/>
-                </a:solidFill>
-                <a:latin typeface="Arial" charset="0"/>
-              </a:defRPr>
-            </a:lvl9pPr>
-          </a:lstStyle>
-          <a:p>
-            <a:r>
-              <a:rPr lang="en-US" dirty="0" smtClean="0">
-                <a:solidFill>
-                  <a:srgbClr val="FFFFFF"/>
-                </a:solidFill>
-                <a:latin typeface="Segoe UI" panose="020B0502040204020203" pitchFamily="34" charset="0"/>
-                <a:ea typeface="Segoe UI" panose="020B0502040204020203" pitchFamily="34" charset="0"/>
-                <a:cs typeface="Segoe UI" panose="020B0502040204020203" pitchFamily="34" charset="0"/>
-              </a:rPr>
-              <a:t>Examples:</a:t>
-            </a:r>
-            <a:endParaRPr dirty="0">
-              <a:solidFill>
-                <a:srgbClr val="FFFFFF"/>
-              </a:solidFill>
-              <a:latin typeface="Segoe UI" panose="020B0502040204020203" pitchFamily="34" charset="0"/>
-              <a:ea typeface="Segoe UI" panose="020B0502040204020203" pitchFamily="34" charset="0"/>
-              <a:cs typeface="Segoe UI" panose="020B0502040204020203" pitchFamily="34" charset="0"/>
-            </a:endParaRPr>
-          </a:p>
-        </p:txBody>
-      </p:sp>
-    </p:spTree>
-    <p:extLst>
-      <p:ext uri="{BB962C8B-B14F-4D97-AF65-F5344CB8AC3E}">
-        <p14:creationId xmlns:p14="http://schemas.microsoft.com/office/powerpoint/2010/main" val="3416428478"/>
-      </p:ext>
-    </p:extLst>
-  </p:cSld>
-  <p:clrMapOvr>
-    <a:masterClrMapping/>
-  </p:clrMapOvr>
-  <p:timing>
-    <p:tnLst>
-      <p:par>
-        <p:cTn id="1" dur="indefinite" restart="never" nodeType="tmRoot"/>
-      </p:par>
-    </p:tnLst>
-  </p:timing>
-</p:sld>
-</file>
-
-<file path=ppt/slides/slide3.xml><?xml version="1.0" encoding="utf-8"?>
 <p:sld xmlns:a="http://schemas.openxmlformats.org/drawingml/2006/main" xmlns:r="http://schemas.openxmlformats.org/officeDocument/2006/relationships" xmlns:p="http://schemas.openxmlformats.org/presentationml/2006/main">
   <p:cSld>
     <p:spTree>
@@ -8257,7 +7311,7 @@
 </p:sld>
 </file>
 
-<file path=ppt/slides/slide4.xml><?xml version="1.0" encoding="utf-8"?>
+<file path=ppt/slides/slide3.xml><?xml version="1.0" encoding="utf-8"?>
 <p:sld xmlns:a="http://schemas.openxmlformats.org/drawingml/2006/main" xmlns:r="http://schemas.openxmlformats.org/officeDocument/2006/relationships" xmlns:p="http://schemas.openxmlformats.org/presentationml/2006/main">
   <p:cSld>
     <p:spTree>
@@ -8481,7 +7535,7 @@
 </p:sld>
 </file>
 
-<file path=ppt/slides/slide5.xml><?xml version="1.0" encoding="utf-8"?>
+<file path=ppt/slides/slide4.xml><?xml version="1.0" encoding="utf-8"?>
 <p:sld xmlns:a="http://schemas.openxmlformats.org/drawingml/2006/main" xmlns:r="http://schemas.openxmlformats.org/officeDocument/2006/relationships" xmlns:p="http://schemas.openxmlformats.org/presentationml/2006/main">
   <p:cSld>
     <p:spTree>
@@ -8705,7 +7759,7 @@
 </p:sld>
 </file>
 
-<file path=ppt/slides/slide6.xml><?xml version="1.0" encoding="utf-8"?>
+<file path=ppt/slides/slide5.xml><?xml version="1.0" encoding="utf-8"?>
 <p:sld xmlns:a="http://schemas.openxmlformats.org/drawingml/2006/main" xmlns:r="http://schemas.openxmlformats.org/officeDocument/2006/relationships" xmlns:p="http://schemas.openxmlformats.org/presentationml/2006/main">
   <p:cSld>
     <p:spTree>
@@ -8789,7 +7843,7 @@
 </p:sld>
 </file>
 
-<file path=ppt/slides/slide7.xml><?xml version="1.0" encoding="utf-8"?>
+<file path=ppt/slides/slide6.xml><?xml version="1.0" encoding="utf-8"?>
 <p:sld xmlns:a="http://schemas.openxmlformats.org/drawingml/2006/main" xmlns:r="http://schemas.openxmlformats.org/officeDocument/2006/relationships" xmlns:p="http://schemas.openxmlformats.org/presentationml/2006/main">
   <p:cSld>
     <p:spTree>
@@ -8913,7 +7967,7 @@
 </p:sld>
 </file>
 
-<file path=ppt/slides/slide8.xml><?xml version="1.0" encoding="utf-8"?>
+<file path=ppt/slides/slide7.xml><?xml version="1.0" encoding="utf-8"?>
 <p:sld xmlns:a="http://schemas.openxmlformats.org/drawingml/2006/main" xmlns:r="http://schemas.openxmlformats.org/officeDocument/2006/relationships" xmlns:p="http://schemas.openxmlformats.org/presentationml/2006/main">
   <p:cSld>
     <p:spTree>
@@ -9037,7 +8091,7 @@
 </p:sld>
 </file>
 
-<file path=ppt/slides/slide9.xml><?xml version="1.0" encoding="utf-8"?>
+<file path=ppt/slides/slide8.xml><?xml version="1.0" encoding="utf-8"?>
 <p:sld xmlns:a="http://schemas.openxmlformats.org/drawingml/2006/main" xmlns:r="http://schemas.openxmlformats.org/officeDocument/2006/relationships" xmlns:p="http://schemas.openxmlformats.org/presentationml/2006/main">
   <p:cSld>
     <p:spTree>
@@ -9145,6 +8199,130 @@
     <p:extLst>
       <p:ext uri="{BB962C8B-B14F-4D97-AF65-F5344CB8AC3E}">
         <p14:creationId xmlns:p14="http://schemas.microsoft.com/office/powerpoint/2010/main" val="3461232081"/>
+      </p:ext>
+    </p:extLst>
+  </p:cSld>
+  <p:clrMapOvr>
+    <a:masterClrMapping/>
+  </p:clrMapOvr>
+  <p:timing>
+    <p:tnLst>
+      <p:par>
+        <p:cTn id="1" dur="indefinite" restart="never" nodeType="tmRoot"/>
+      </p:par>
+    </p:tnLst>
+  </p:timing>
+</p:sld>
+</file>
+
+<file path=ppt/slides/slide9.xml><?xml version="1.0" encoding="utf-8"?>
+<p:sld xmlns:a="http://schemas.openxmlformats.org/drawingml/2006/main" xmlns:r="http://schemas.openxmlformats.org/officeDocument/2006/relationships" xmlns:p="http://schemas.openxmlformats.org/presentationml/2006/main">
+  <p:cSld>
+    <p:spTree>
+      <p:nvGrpSpPr>
+        <p:cNvPr id="1" name=""/>
+        <p:cNvGrpSpPr/>
+        <p:nvPr/>
+      </p:nvGrpSpPr>
+      <p:grpSpPr>
+        <a:xfrm>
+          <a:off x="0" y="0"/>
+          <a:ext cx="0" cy="0"/>
+          <a:chOff x="0" y="0"/>
+          <a:chExt cx="0" cy="0"/>
+        </a:xfrm>
+      </p:grpSpPr>
+      <p:sp>
+        <p:nvSpPr>
+          <p:cNvPr id="2" name="Title 1"/>
+          <p:cNvSpPr>
+            <a:spLocks noGrp="1"/>
+          </p:cNvSpPr>
+          <p:nvPr>
+            <p:ph type="title"/>
+          </p:nvPr>
+        </p:nvSpPr>
+        <p:spPr/>
+        <p:txBody>
+          <a:bodyPr/>
+          <a:lstStyle/>
+          <a:p>
+            <a:r>
+              <a:rPr lang="en-US" dirty="0" err="1" smtClean="0"/>
+              <a:t>Guitar.fs</a:t>
+            </a:r>
+            <a:endParaRPr lang="en-US" dirty="0"/>
+          </a:p>
+        </p:txBody>
+      </p:sp>
+      <p:pic>
+        <p:nvPicPr>
+          <p:cNvPr id="4098" name="Picture 2"/>
+          <p:cNvPicPr>
+            <a:picLocks noChangeAspect="1" noChangeArrowheads="1"/>
+          </p:cNvPicPr>
+          <p:nvPr/>
+        </p:nvPicPr>
+        <p:blipFill>
+          <a:blip r:embed="rId2">
+            <a:extLst>
+              <a:ext uri="{28A0092B-C50C-407E-A947-70E740481C1C}">
+                <a14:useLocalDpi xmlns:a14="http://schemas.microsoft.com/office/drawing/2010/main" val="0"/>
+              </a:ext>
+            </a:extLst>
+          </a:blip>
+          <a:srcRect/>
+          <a:stretch>
+            <a:fillRect/>
+          </a:stretch>
+        </p:blipFill>
+        <p:spPr bwMode="auto">
+          <a:xfrm>
+            <a:off x="2856504" y="2498504"/>
+            <a:ext cx="6085404" cy="1717251"/>
+          </a:xfrm>
+          <a:prstGeom prst="rect">
+            <a:avLst/>
+          </a:prstGeom>
+          <a:noFill/>
+          <a:ln>
+            <a:noFill/>
+          </a:ln>
+          <a:effectLst/>
+          <a:extLst>
+            <a:ext uri="{909E8E84-426E-40DD-AFC4-6F175D3DCCD1}">
+              <a14:hiddenFill xmlns:a14="http://schemas.microsoft.com/office/drawing/2010/main">
+                <a:solidFill>
+                  <a:schemeClr val="accent1"/>
+                </a:solidFill>
+              </a14:hiddenFill>
+            </a:ext>
+            <a:ext uri="{91240B29-F687-4F45-9708-019B960494DF}">
+              <a14:hiddenLine xmlns:a14="http://schemas.microsoft.com/office/drawing/2010/main" w="9525">
+                <a:solidFill>
+                  <a:schemeClr val="tx1"/>
+                </a:solidFill>
+                <a:miter lim="800000"/>
+                <a:headEnd/>
+                <a:tailEnd/>
+              </a14:hiddenLine>
+            </a:ext>
+            <a:ext uri="{AF507438-7753-43E0-B8FC-AC1667EBCBE1}">
+              <a14:hiddenEffects xmlns:a14="http://schemas.microsoft.com/office/drawing/2010/main">
+                <a:effectLst>
+                  <a:outerShdw dist="35921" dir="2700000" algn="ctr" rotWithShape="0">
+                    <a:schemeClr val="bg2"/>
+                  </a:outerShdw>
+                </a:effectLst>
+              </a14:hiddenEffects>
+            </a:ext>
+          </a:extLst>
+        </p:spPr>
+      </p:pic>
+    </p:spTree>
+    <p:extLst>
+      <p:ext uri="{BB962C8B-B14F-4D97-AF65-F5344CB8AC3E}">
+        <p14:creationId xmlns:p14="http://schemas.microsoft.com/office/powerpoint/2010/main" val="3815723180"/>
       </p:ext>
     </p:extLst>
   </p:cSld>
@@ -9420,7 +8598,7 @@
   <a:extraClrSchemeLst/>
   <a:extLst>
     <a:ext uri="{05A4C25C-085E-4340-85A3-A5531E510DB2}">
-      <thm15:themeFamily xmlns:thm15="http://schemas.microsoft.com/office/thememl/2012/main" xmlns="" name="Ion" id="{B8441ADB-2E43-4AF7-B97A-BD870242C6A8}" vid="{BACC050B-8757-4460-95D8-E37B46A6B421}"/>
+      <thm15:themeFamily xmlns:thm15="http://schemas.microsoft.com/office/thememl/2012/main" name="Ion" id="{B8441ADB-2E43-4AF7-B97A-BD870242C6A8}" vid="{BACC050B-8757-4460-95D8-E37B46A6B421}"/>
     </a:ext>
   </a:extLst>
 </a:theme>
